--- a/HC/HC05/Programming_Python_1_bools.pptx
+++ b/HC/HC05/Programming_Python_1_bools.pptx
@@ -145,6 +145,35 @@
 </p:presentation>
 </file>
 
+<file path=ppt/revisionInfo.xml><?xml version="1.0" encoding="utf-8"?>
+<p1510:revInfo xmlns:a="http://schemas.openxmlformats.org/drawingml/2006/main" xmlns:r="http://schemas.openxmlformats.org/officeDocument/2006/relationships" xmlns:p1510="http://schemas.microsoft.com/office/powerpoint/2015/10/main">
+  <p1510:revLst>
+    <p1510:client id="{7AC27CDE-67A9-7840-A9AE-32041B0281E7}" v="1" dt="2018-10-08T09:06:28.431"/>
+  </p1510:revLst>
+</p1510:revInfo>
+</file>
+
+<file path=ppt/changesInfos/changesInfo1.xml><?xml version="1.0" encoding="utf-8"?>
+<pc:chgInfo xmlns:a="http://schemas.openxmlformats.org/drawingml/2006/main" xmlns:r="http://schemas.openxmlformats.org/officeDocument/2006/relationships" xmlns:ac="http://schemas.microsoft.com/office/drawing/2013/main/command" xmlns:pc="http://schemas.microsoft.com/office/powerpoint/2013/main/command">
+  <pc:docChgLst>
+    <pc:chgData name="Hageman J, Jurre" userId="0acd7849-4b12-4d61-a6a5-89c12690410a" providerId="ADAL" clId="{7AC27CDE-67A9-7840-A9AE-32041B0281E7}"/>
+    <pc:docChg chg="modSld sldOrd">
+      <pc:chgData name="Hageman J, Jurre" userId="0acd7849-4b12-4d61-a6a5-89c12690410a" providerId="ADAL" clId="{7AC27CDE-67A9-7840-A9AE-32041B0281E7}" dt="2018-10-08T09:06:28.431" v="0"/>
+      <pc:docMkLst>
+        <pc:docMk/>
+      </pc:docMkLst>
+      <pc:sldChg chg="ord">
+        <pc:chgData name="Hageman J, Jurre" userId="0acd7849-4b12-4d61-a6a5-89c12690410a" providerId="ADAL" clId="{7AC27CDE-67A9-7840-A9AE-32041B0281E7}" dt="2018-10-08T09:06:28.431" v="0"/>
+        <pc:sldMkLst>
+          <pc:docMk/>
+          <pc:sldMk cId="319526783" sldId="395"/>
+        </pc:sldMkLst>
+      </pc:sldChg>
+    </pc:docChg>
+  </pc:docChgLst>
+</pc:chgInfo>
+</file>
+
 <file path=ppt/notesMasters/notesMaster1.xml><?xml version="1.0" encoding="utf-8"?>
 <p:notesMaster xmlns:a="http://schemas.openxmlformats.org/drawingml/2006/main" xmlns:r="http://schemas.openxmlformats.org/officeDocument/2006/relationships" xmlns:p="http://schemas.openxmlformats.org/presentationml/2006/main">
   <p:cSld>
@@ -228,7 +257,7 @@
             <a:fld id="{D383DDA3-FA06-451C-A817-EACB740B0B24}" type="datetimeFigureOut">
               <a:rPr lang="nl-NL" smtClean="0"/>
               <a:pPr/>
-              <a:t>05-10-17</a:t>
+              <a:t>08-10-18</a:t>
             </a:fld>
             <a:endParaRPr lang="en-US"/>
           </a:p>
@@ -294,38 +323,37 @@
           <a:p>
             <a:pPr lvl="0"/>
             <a:r>
-              <a:rPr lang="en-US" smtClean="0"/>
+              <a:rPr lang="en-US"/>
               <a:t>Click to edit Master text styles</a:t>
             </a:r>
           </a:p>
           <a:p>
             <a:pPr lvl="1"/>
             <a:r>
-              <a:rPr lang="en-US" smtClean="0"/>
+              <a:rPr lang="en-US"/>
               <a:t>Second level</a:t>
             </a:r>
           </a:p>
           <a:p>
             <a:pPr lvl="2"/>
             <a:r>
-              <a:rPr lang="en-US" smtClean="0"/>
+              <a:rPr lang="en-US"/>
               <a:t>Third level</a:t>
             </a:r>
           </a:p>
           <a:p>
             <a:pPr lvl="3"/>
             <a:r>
-              <a:rPr lang="en-US" smtClean="0"/>
+              <a:rPr lang="en-US"/>
               <a:t>Fourth level</a:t>
             </a:r>
           </a:p>
           <a:p>
             <a:pPr lvl="4"/>
             <a:r>
-              <a:rPr lang="en-US" smtClean="0"/>
+              <a:rPr lang="en-US"/>
               <a:t>Fifth level</a:t>
             </a:r>
-            <a:endParaRPr lang="en-US"/>
           </a:p>
         </p:txBody>
       </p:sp>
@@ -537,7 +565,7 @@
           <a:lstStyle/>
           <a:p>
             <a:r>
-              <a:rPr lang="en-US" smtClean="0"/>
+              <a:rPr lang="en-US"/>
               <a:t>Click to edit Master title style</a:t>
             </a:r>
             <a:endParaRPr lang="nl-NL"/>
@@ -602,7 +630,7 @@
           </a:lstStyle>
           <a:p>
             <a:r>
-              <a:rPr lang="en-US" smtClean="0"/>
+              <a:rPr lang="en-US"/>
               <a:t>Click to edit Master subtitle style</a:t>
             </a:r>
             <a:endParaRPr lang="nl-NL"/>
@@ -679,7 +707,7 @@
           <a:lstStyle/>
           <a:p>
             <a:r>
-              <a:rPr lang="en-US" smtClean="0"/>
+              <a:rPr lang="en-US"/>
               <a:t>Click to edit Master title style</a:t>
             </a:r>
             <a:endParaRPr lang="nl-NL"/>
@@ -703,35 +731,35 @@
           <a:p>
             <a:pPr lvl="0"/>
             <a:r>
-              <a:rPr lang="en-US" smtClean="0"/>
+              <a:rPr lang="en-US"/>
               <a:t>Click to edit Master text styles</a:t>
             </a:r>
           </a:p>
           <a:p>
             <a:pPr lvl="1"/>
             <a:r>
-              <a:rPr lang="en-US" smtClean="0"/>
+              <a:rPr lang="en-US"/>
               <a:t>Second level</a:t>
             </a:r>
           </a:p>
           <a:p>
             <a:pPr lvl="2"/>
             <a:r>
-              <a:rPr lang="en-US" smtClean="0"/>
+              <a:rPr lang="en-US"/>
               <a:t>Third level</a:t>
             </a:r>
           </a:p>
           <a:p>
             <a:pPr lvl="3"/>
             <a:r>
-              <a:rPr lang="en-US" smtClean="0"/>
+              <a:rPr lang="en-US"/>
               <a:t>Fourth level</a:t>
             </a:r>
           </a:p>
           <a:p>
             <a:pPr lvl="4"/>
             <a:r>
-              <a:rPr lang="en-US" smtClean="0"/>
+              <a:rPr lang="en-US"/>
               <a:t>Fifth level</a:t>
             </a:r>
             <a:endParaRPr lang="nl-NL"/>
@@ -813,7 +841,7 @@
           <a:lstStyle/>
           <a:p>
             <a:r>
-              <a:rPr lang="en-US" smtClean="0"/>
+              <a:rPr lang="en-US"/>
               <a:t>Click to edit Master title style</a:t>
             </a:r>
             <a:endParaRPr lang="nl-NL"/>
@@ -842,35 +870,35 @@
           <a:p>
             <a:pPr lvl="0"/>
             <a:r>
-              <a:rPr lang="en-US" smtClean="0"/>
+              <a:rPr lang="en-US"/>
               <a:t>Click to edit Master text styles</a:t>
             </a:r>
           </a:p>
           <a:p>
             <a:pPr lvl="1"/>
             <a:r>
-              <a:rPr lang="en-US" smtClean="0"/>
+              <a:rPr lang="en-US"/>
               <a:t>Second level</a:t>
             </a:r>
           </a:p>
           <a:p>
             <a:pPr lvl="2"/>
             <a:r>
-              <a:rPr lang="en-US" smtClean="0"/>
+              <a:rPr lang="en-US"/>
               <a:t>Third level</a:t>
             </a:r>
           </a:p>
           <a:p>
             <a:pPr lvl="3"/>
             <a:r>
-              <a:rPr lang="en-US" smtClean="0"/>
+              <a:rPr lang="en-US"/>
               <a:t>Fourth level</a:t>
             </a:r>
           </a:p>
           <a:p>
             <a:pPr lvl="4"/>
             <a:r>
-              <a:rPr lang="en-US" smtClean="0"/>
+              <a:rPr lang="en-US"/>
               <a:t>Fifth level</a:t>
             </a:r>
             <a:endParaRPr lang="nl-NL"/>
@@ -974,9 +1002,7 @@
         </p:style>
         <p:txBody>
           <a:bodyPr rtlCol="0" anchor="ctr"/>
-          <a:lstStyle>
-            <a:extLst/>
-          </a:lstStyle>
+          <a:lstStyle/>
           <a:p>
             <a:pPr algn="ctr" eaLnBrk="1" latinLnBrk="0" hangingPunct="1"/>
             <a:endParaRPr kumimoji="0" lang="en-US"/>
@@ -1020,10 +1046,9 @@
           </a:lstStyle>
           <a:p>
             <a:r>
-              <a:rPr kumimoji="0" lang="en-US" smtClean="0"/>
+              <a:rPr kumimoji="0" lang="en-US"/>
               <a:t>Click to edit Master title style</a:t>
             </a:r>
-            <a:endParaRPr kumimoji="0" lang="en-US"/>
           </a:p>
         </p:txBody>
       </p:sp>
@@ -1138,10 +1163,9 @@
           </a:lstStyle>
           <a:p>
             <a:r>
-              <a:rPr kumimoji="0" lang="en-US" smtClean="0"/>
+              <a:rPr kumimoji="0" lang="en-US"/>
               <a:t>Click to edit Master subtitle style</a:t>
             </a:r>
-            <a:endParaRPr kumimoji="0" lang="en-US"/>
           </a:p>
         </p:txBody>
       </p:sp>
@@ -1163,7 +1187,7 @@
             <a:fld id="{C699CB88-5E1A-4FAC-892A-60949ACB1F6F}" type="datetimeFigureOut">
               <a:rPr lang="en-US" smtClean="0"/>
               <a:pPr/>
-              <a:t>10/5/17</a:t>
+              <a:t>10/8/18</a:t>
             </a:fld>
             <a:endParaRPr lang="en-US"/>
           </a:p>
@@ -1257,9 +1281,7 @@
         </p:style>
         <p:txBody>
           <a:bodyPr rtlCol="0" anchor="ctr"/>
-          <a:lstStyle>
-            <a:extLst/>
-          </a:lstStyle>
+          <a:lstStyle/>
           <a:p>
             <a:pPr algn="ctr" eaLnBrk="1" latinLnBrk="0" hangingPunct="1"/>
             <a:endParaRPr kumimoji="0" lang="en-US"/>
@@ -1309,15 +1331,12 @@
         </p:spPr>
         <p:txBody>
           <a:bodyPr/>
-          <a:lstStyle>
-            <a:extLst/>
-          </a:lstStyle>
-          <a:p>
-            <a:r>
-              <a:rPr kumimoji="0" lang="en-US" smtClean="0"/>
+          <a:lstStyle/>
+          <a:p>
+            <a:r>
+              <a:rPr kumimoji="0" lang="en-US"/>
               <a:t>Click to edit Master title style</a:t>
             </a:r>
-            <a:endParaRPr kumimoji="0" lang="en-US"/>
           </a:p>
         </p:txBody>
       </p:sp>
@@ -1334,41 +1353,39 @@
         <p:spPr/>
         <p:txBody>
           <a:bodyPr/>
-          <a:lstStyle>
-            <a:extLst/>
-          </a:lstStyle>
+          <a:lstStyle/>
           <a:p>
             <a:pPr lvl="0" eaLnBrk="1" latinLnBrk="0" hangingPunct="1"/>
             <a:r>
-              <a:rPr lang="en-US" smtClean="0"/>
+              <a:rPr lang="en-US"/>
               <a:t>Click to edit Master text styles</a:t>
             </a:r>
           </a:p>
           <a:p>
             <a:pPr lvl="1" eaLnBrk="1" latinLnBrk="0" hangingPunct="1"/>
             <a:r>
-              <a:rPr lang="en-US" smtClean="0"/>
+              <a:rPr lang="en-US"/>
               <a:t>Second level</a:t>
             </a:r>
           </a:p>
           <a:p>
             <a:pPr lvl="2" eaLnBrk="1" latinLnBrk="0" hangingPunct="1"/>
             <a:r>
-              <a:rPr lang="en-US" smtClean="0"/>
+              <a:rPr lang="en-US"/>
               <a:t>Third level</a:t>
             </a:r>
           </a:p>
           <a:p>
             <a:pPr lvl="3" eaLnBrk="1" latinLnBrk="0" hangingPunct="1"/>
             <a:r>
-              <a:rPr lang="en-US" smtClean="0"/>
+              <a:rPr lang="en-US"/>
               <a:t>Fourth level</a:t>
             </a:r>
           </a:p>
           <a:p>
             <a:pPr lvl="4" eaLnBrk="1" latinLnBrk="0" hangingPunct="1"/>
             <a:r>
-              <a:rPr lang="en-US" smtClean="0"/>
+              <a:rPr lang="en-US"/>
               <a:t>Fifth level</a:t>
             </a:r>
             <a:endParaRPr kumimoji="0" lang="en-US"/>
@@ -1393,7 +1410,7 @@
             <a:fld id="{C699CB88-5E1A-4FAC-892A-60949ACB1F6F}" type="datetimeFigureOut">
               <a:rPr lang="en-US" smtClean="0"/>
               <a:pPr/>
-              <a:t>10/5/17</a:t>
+              <a:t>10/8/18</a:t>
             </a:fld>
             <a:endParaRPr lang="en-US"/>
           </a:p>
@@ -1510,9 +1527,7 @@
         </p:style>
         <p:txBody>
           <a:bodyPr rtlCol="0" anchor="ctr"/>
-          <a:lstStyle>
-            <a:extLst/>
-          </a:lstStyle>
+          <a:lstStyle/>
           <a:p>
             <a:pPr algn="ctr" eaLnBrk="1" latinLnBrk="0" hangingPunct="1"/>
             <a:endParaRPr kumimoji="0" lang="en-US"/>
@@ -1564,9 +1579,7 @@
         </p:style>
         <p:txBody>
           <a:bodyPr rtlCol="0" anchor="ctr"/>
-          <a:lstStyle>
-            <a:extLst/>
-          </a:lstStyle>
+          <a:lstStyle/>
           <a:p>
             <a:pPr algn="ctr" eaLnBrk="1" latinLnBrk="0" hangingPunct="1"/>
             <a:endParaRPr kumimoji="0" lang="en-US"/>
@@ -1610,10 +1623,9 @@
           </a:lstStyle>
           <a:p>
             <a:r>
-              <a:rPr kumimoji="0" lang="en-US" smtClean="0"/>
+              <a:rPr kumimoji="0" lang="en-US"/>
               <a:t>Click to edit Master title style</a:t>
             </a:r>
-            <a:endParaRPr kumimoji="0" lang="en-US"/>
           </a:p>
         </p:txBody>
       </p:sp>
@@ -1729,7 +1741,7 @@
           <a:p>
             <a:pPr lvl="0" eaLnBrk="1" latinLnBrk="0" hangingPunct="1"/>
             <a:r>
-              <a:rPr kumimoji="0" lang="en-US" smtClean="0"/>
+              <a:rPr kumimoji="0" lang="en-US"/>
               <a:t>Click to edit Master text styles</a:t>
             </a:r>
           </a:p>
@@ -1753,7 +1765,7 @@
             <a:fld id="{C699CB88-5E1A-4FAC-892A-60949ACB1F6F}" type="datetimeFigureOut">
               <a:rPr lang="en-US" smtClean="0"/>
               <a:pPr/>
-              <a:t>10/5/17</a:t>
+              <a:t>10/8/18</a:t>
             </a:fld>
             <a:endParaRPr lang="en-US"/>
           </a:p>
@@ -1840,15 +1852,12 @@
         <p:spPr/>
         <p:txBody>
           <a:bodyPr/>
-          <a:lstStyle>
-            <a:extLst/>
-          </a:lstStyle>
-          <a:p>
-            <a:r>
-              <a:rPr kumimoji="0" lang="en-US" smtClean="0"/>
+          <a:lstStyle/>
+          <a:p>
+            <a:r>
+              <a:rPr kumimoji="0" lang="en-US"/>
               <a:t>Click to edit Master title style</a:t>
             </a:r>
-            <a:endParaRPr kumimoji="0" lang="en-US"/>
           </a:p>
         </p:txBody>
       </p:sp>
@@ -1903,35 +1912,35 @@
           <a:p>
             <a:pPr lvl="0" eaLnBrk="1" latinLnBrk="0" hangingPunct="1"/>
             <a:r>
-              <a:rPr lang="en-US" smtClean="0"/>
+              <a:rPr lang="en-US"/>
               <a:t>Click to edit Master text styles</a:t>
             </a:r>
           </a:p>
           <a:p>
             <a:pPr lvl="1" eaLnBrk="1" latinLnBrk="0" hangingPunct="1"/>
             <a:r>
-              <a:rPr lang="en-US" smtClean="0"/>
+              <a:rPr lang="en-US"/>
               <a:t>Second level</a:t>
             </a:r>
           </a:p>
           <a:p>
             <a:pPr lvl="2" eaLnBrk="1" latinLnBrk="0" hangingPunct="1"/>
             <a:r>
-              <a:rPr lang="en-US" smtClean="0"/>
+              <a:rPr lang="en-US"/>
               <a:t>Third level</a:t>
             </a:r>
           </a:p>
           <a:p>
             <a:pPr lvl="3" eaLnBrk="1" latinLnBrk="0" hangingPunct="1"/>
             <a:r>
-              <a:rPr lang="en-US" smtClean="0"/>
+              <a:rPr lang="en-US"/>
               <a:t>Fourth level</a:t>
             </a:r>
           </a:p>
           <a:p>
             <a:pPr lvl="4" eaLnBrk="1" latinLnBrk="0" hangingPunct="1"/>
             <a:r>
-              <a:rPr lang="en-US" smtClean="0"/>
+              <a:rPr lang="en-US"/>
               <a:t>Fifth level</a:t>
             </a:r>
             <a:endParaRPr kumimoji="0" lang="en-US"/>
@@ -1989,35 +1998,35 @@
           <a:p>
             <a:pPr lvl="0" eaLnBrk="1" latinLnBrk="0" hangingPunct="1"/>
             <a:r>
-              <a:rPr lang="en-US" smtClean="0"/>
+              <a:rPr lang="en-US"/>
               <a:t>Click to edit Master text styles</a:t>
             </a:r>
           </a:p>
           <a:p>
             <a:pPr lvl="1" eaLnBrk="1" latinLnBrk="0" hangingPunct="1"/>
             <a:r>
-              <a:rPr lang="en-US" smtClean="0"/>
+              <a:rPr lang="en-US"/>
               <a:t>Second level</a:t>
             </a:r>
           </a:p>
           <a:p>
             <a:pPr lvl="2" eaLnBrk="1" latinLnBrk="0" hangingPunct="1"/>
             <a:r>
-              <a:rPr lang="en-US" smtClean="0"/>
+              <a:rPr lang="en-US"/>
               <a:t>Third level</a:t>
             </a:r>
           </a:p>
           <a:p>
             <a:pPr lvl="3" eaLnBrk="1" latinLnBrk="0" hangingPunct="1"/>
             <a:r>
-              <a:rPr lang="en-US" smtClean="0"/>
+              <a:rPr lang="en-US"/>
               <a:t>Fourth level</a:t>
             </a:r>
           </a:p>
           <a:p>
             <a:pPr lvl="4" eaLnBrk="1" latinLnBrk="0" hangingPunct="1"/>
             <a:r>
-              <a:rPr lang="en-US" smtClean="0"/>
+              <a:rPr lang="en-US"/>
               <a:t>Fifth level</a:t>
             </a:r>
             <a:endParaRPr kumimoji="0" lang="en-US"/>
@@ -2042,7 +2051,7 @@
             <a:fld id="{C699CB88-5E1A-4FAC-892A-60949ACB1F6F}" type="datetimeFigureOut">
               <a:rPr lang="en-US" smtClean="0"/>
               <a:pPr/>
-              <a:t>10/5/17</a:t>
+              <a:t>10/8/18</a:t>
             </a:fld>
             <a:endParaRPr lang="en-US"/>
           </a:p>
@@ -2137,10 +2146,9 @@
           </a:lstStyle>
           <a:p>
             <a:r>
-              <a:rPr kumimoji="0" lang="en-US" smtClean="0"/>
+              <a:rPr kumimoji="0" lang="en-US"/>
               <a:t>Click to edit Master title style</a:t>
             </a:r>
-            <a:endParaRPr kumimoji="0" lang="en-US"/>
           </a:p>
         </p:txBody>
       </p:sp>
@@ -2204,7 +2212,7 @@
           <a:p>
             <a:pPr lvl="0" eaLnBrk="1" latinLnBrk="0" hangingPunct="1"/>
             <a:r>
-              <a:rPr kumimoji="0" lang="en-US" smtClean="0"/>
+              <a:rPr kumimoji="0" lang="en-US"/>
               <a:t>Click to edit Master text styles</a:t>
             </a:r>
           </a:p>
@@ -2261,35 +2269,35 @@
           <a:p>
             <a:pPr lvl="0" eaLnBrk="1" latinLnBrk="0" hangingPunct="1"/>
             <a:r>
-              <a:rPr lang="en-US" smtClean="0"/>
+              <a:rPr lang="en-US"/>
               <a:t>Click to edit Master text styles</a:t>
             </a:r>
           </a:p>
           <a:p>
             <a:pPr lvl="1" eaLnBrk="1" latinLnBrk="0" hangingPunct="1"/>
             <a:r>
-              <a:rPr lang="en-US" smtClean="0"/>
+              <a:rPr lang="en-US"/>
               <a:t>Second level</a:t>
             </a:r>
           </a:p>
           <a:p>
             <a:pPr lvl="2" eaLnBrk="1" latinLnBrk="0" hangingPunct="1"/>
             <a:r>
-              <a:rPr lang="en-US" smtClean="0"/>
+              <a:rPr lang="en-US"/>
               <a:t>Third level</a:t>
             </a:r>
           </a:p>
           <a:p>
             <a:pPr lvl="3" eaLnBrk="1" latinLnBrk="0" hangingPunct="1"/>
             <a:r>
-              <a:rPr lang="en-US" smtClean="0"/>
+              <a:rPr lang="en-US"/>
               <a:t>Fourth level</a:t>
             </a:r>
           </a:p>
           <a:p>
             <a:pPr lvl="4" eaLnBrk="1" latinLnBrk="0" hangingPunct="1"/>
             <a:r>
-              <a:rPr lang="en-US" smtClean="0"/>
+              <a:rPr lang="en-US"/>
               <a:t>Fifth level</a:t>
             </a:r>
             <a:endParaRPr kumimoji="0" lang="en-US"/>
@@ -2356,7 +2364,7 @@
           <a:p>
             <a:pPr lvl="0" eaLnBrk="1" latinLnBrk="0" hangingPunct="1"/>
             <a:r>
-              <a:rPr kumimoji="0" lang="en-US" smtClean="0"/>
+              <a:rPr kumimoji="0" lang="en-US"/>
               <a:t>Click to edit Master text styles</a:t>
             </a:r>
           </a:p>
@@ -2413,35 +2421,35 @@
           <a:p>
             <a:pPr lvl="0" eaLnBrk="1" latinLnBrk="0" hangingPunct="1"/>
             <a:r>
-              <a:rPr lang="en-US" smtClean="0"/>
+              <a:rPr lang="en-US"/>
               <a:t>Click to edit Master text styles</a:t>
             </a:r>
           </a:p>
           <a:p>
             <a:pPr lvl="1" eaLnBrk="1" latinLnBrk="0" hangingPunct="1"/>
             <a:r>
-              <a:rPr lang="en-US" smtClean="0"/>
+              <a:rPr lang="en-US"/>
               <a:t>Second level</a:t>
             </a:r>
           </a:p>
           <a:p>
             <a:pPr lvl="2" eaLnBrk="1" latinLnBrk="0" hangingPunct="1"/>
             <a:r>
-              <a:rPr lang="en-US" smtClean="0"/>
+              <a:rPr lang="en-US"/>
               <a:t>Third level</a:t>
             </a:r>
           </a:p>
           <a:p>
             <a:pPr lvl="3" eaLnBrk="1" latinLnBrk="0" hangingPunct="1"/>
             <a:r>
-              <a:rPr lang="en-US" smtClean="0"/>
+              <a:rPr lang="en-US"/>
               <a:t>Fourth level</a:t>
             </a:r>
           </a:p>
           <a:p>
             <a:pPr lvl="4" eaLnBrk="1" latinLnBrk="0" hangingPunct="1"/>
             <a:r>
-              <a:rPr lang="en-US" smtClean="0"/>
+              <a:rPr lang="en-US"/>
               <a:t>Fifth level</a:t>
             </a:r>
             <a:endParaRPr kumimoji="0" lang="en-US"/>
@@ -2466,7 +2474,7 @@
             <a:fld id="{C699CB88-5E1A-4FAC-892A-60949ACB1F6F}" type="datetimeFigureOut">
               <a:rPr lang="en-US" smtClean="0"/>
               <a:pPr/>
-              <a:t>10/5/17</a:t>
+              <a:t>10/8/18</a:t>
             </a:fld>
             <a:endParaRPr lang="en-US"/>
           </a:p>
@@ -2553,15 +2561,12 @@
         <p:spPr/>
         <p:txBody>
           <a:bodyPr/>
-          <a:lstStyle>
-            <a:extLst/>
-          </a:lstStyle>
-          <a:p>
-            <a:r>
-              <a:rPr kumimoji="0" lang="en-US" smtClean="0"/>
+          <a:lstStyle/>
+          <a:p>
+            <a:r>
+              <a:rPr kumimoji="0" lang="en-US"/>
               <a:t>Click to edit Master title style</a:t>
             </a:r>
-            <a:endParaRPr kumimoji="0" lang="en-US"/>
           </a:p>
         </p:txBody>
       </p:sp>
@@ -2583,7 +2588,7 @@
             <a:fld id="{C699CB88-5E1A-4FAC-892A-60949ACB1F6F}" type="datetimeFigureOut">
               <a:rPr lang="en-US" smtClean="0"/>
               <a:pPr/>
-              <a:t>10/5/17</a:t>
+              <a:t>10/8/18</a:t>
             </a:fld>
             <a:endParaRPr lang="en-US"/>
           </a:p>
@@ -2675,7 +2680,7 @@
             <a:fld id="{C699CB88-5E1A-4FAC-892A-60949ACB1F6F}" type="datetimeFigureOut">
               <a:rPr lang="en-US" smtClean="0"/>
               <a:pPr/>
-              <a:t>10/5/17</a:t>
+              <a:t>10/8/18</a:t>
             </a:fld>
             <a:endParaRPr lang="en-US"/>
           </a:p>
@@ -2778,10 +2783,9 @@
           </a:lstStyle>
           <a:p>
             <a:r>
-              <a:rPr kumimoji="0" lang="en-US" smtClean="0"/>
+              <a:rPr kumimoji="0" lang="en-US"/>
               <a:t>Click to edit Master title style</a:t>
             </a:r>
-            <a:endParaRPr kumimoji="0" lang="en-US"/>
           </a:p>
         </p:txBody>
       </p:sp>
@@ -2836,35 +2840,35 @@
           <a:p>
             <a:pPr lvl="0" eaLnBrk="1" latinLnBrk="0" hangingPunct="1"/>
             <a:r>
-              <a:rPr lang="en-US" smtClean="0"/>
+              <a:rPr lang="en-US"/>
               <a:t>Click to edit Master text styles</a:t>
             </a:r>
           </a:p>
           <a:p>
             <a:pPr lvl="1" eaLnBrk="1" latinLnBrk="0" hangingPunct="1"/>
             <a:r>
-              <a:rPr lang="en-US" smtClean="0"/>
+              <a:rPr lang="en-US"/>
               <a:t>Second level</a:t>
             </a:r>
           </a:p>
           <a:p>
             <a:pPr lvl="2" eaLnBrk="1" latinLnBrk="0" hangingPunct="1"/>
             <a:r>
-              <a:rPr lang="en-US" smtClean="0"/>
+              <a:rPr lang="en-US"/>
               <a:t>Third level</a:t>
             </a:r>
           </a:p>
           <a:p>
             <a:pPr lvl="3" eaLnBrk="1" latinLnBrk="0" hangingPunct="1"/>
             <a:r>
-              <a:rPr lang="en-US" smtClean="0"/>
+              <a:rPr lang="en-US"/>
               <a:t>Fourth level</a:t>
             </a:r>
           </a:p>
           <a:p>
             <a:pPr lvl="4" eaLnBrk="1" latinLnBrk="0" hangingPunct="1"/>
             <a:r>
-              <a:rPr lang="en-US" smtClean="0"/>
+              <a:rPr lang="en-US"/>
               <a:t>Fifth level</a:t>
             </a:r>
             <a:endParaRPr kumimoji="0" lang="en-US"/>
@@ -2931,7 +2935,7 @@
           <a:p>
             <a:pPr lvl="0" eaLnBrk="1" latinLnBrk="0" hangingPunct="1"/>
             <a:r>
-              <a:rPr kumimoji="0" lang="en-US" smtClean="0"/>
+              <a:rPr kumimoji="0" lang="en-US"/>
               <a:t>Click to edit Master text styles</a:t>
             </a:r>
           </a:p>
@@ -2955,7 +2959,7 @@
             <a:fld id="{C699CB88-5E1A-4FAC-892A-60949ACB1F6F}" type="datetimeFigureOut">
               <a:rPr lang="en-US" smtClean="0"/>
               <a:pPr/>
-              <a:t>10/5/17</a:t>
+              <a:t>10/8/18</a:t>
             </a:fld>
             <a:endParaRPr lang="en-US"/>
           </a:p>
@@ -3042,9 +3046,7 @@
         </p:style>
         <p:txBody>
           <a:bodyPr rtlCol="0" anchor="ctr"/>
-          <a:lstStyle>
-            <a:extLst/>
-          </a:lstStyle>
+          <a:lstStyle/>
           <a:p>
             <a:pPr algn="ctr" eaLnBrk="1" latinLnBrk="0" hangingPunct="1"/>
             <a:endParaRPr kumimoji="0" lang="en-US"/>
@@ -3089,9 +3091,7 @@
         </p:style>
         <p:txBody>
           <a:bodyPr rtlCol="0" anchor="ctr"/>
-          <a:lstStyle>
-            <a:extLst/>
-          </a:lstStyle>
+          <a:lstStyle/>
           <a:p>
             <a:pPr algn="ctr" eaLnBrk="1" latinLnBrk="0" hangingPunct="1"/>
             <a:endParaRPr kumimoji="0" lang="en-US"/>
@@ -3139,7 +3139,7 @@
           <a:lstStyle/>
           <a:p>
             <a:r>
-              <a:rPr lang="en-US" smtClean="0"/>
+              <a:rPr lang="en-US"/>
               <a:t>Click to edit Master title style</a:t>
             </a:r>
             <a:endParaRPr lang="nl-NL"/>
@@ -3163,35 +3163,35 @@
           <a:p>
             <a:pPr lvl="0"/>
             <a:r>
-              <a:rPr lang="en-US" smtClean="0"/>
+              <a:rPr lang="en-US"/>
               <a:t>Click to edit Master text styles</a:t>
             </a:r>
           </a:p>
           <a:p>
             <a:pPr lvl="1"/>
             <a:r>
-              <a:rPr lang="en-US" smtClean="0"/>
+              <a:rPr lang="en-US"/>
               <a:t>Second level</a:t>
             </a:r>
           </a:p>
           <a:p>
             <a:pPr lvl="2"/>
             <a:r>
-              <a:rPr lang="en-US" smtClean="0"/>
+              <a:rPr lang="en-US"/>
               <a:t>Third level</a:t>
             </a:r>
           </a:p>
           <a:p>
             <a:pPr lvl="3"/>
             <a:r>
-              <a:rPr lang="en-US" smtClean="0"/>
+              <a:rPr lang="en-US"/>
               <a:t>Fourth level</a:t>
             </a:r>
           </a:p>
           <a:p>
             <a:pPr lvl="4"/>
             <a:r>
-              <a:rPr lang="en-US" smtClean="0"/>
+              <a:rPr lang="en-US"/>
               <a:t>Fifth level</a:t>
             </a:r>
             <a:endParaRPr lang="nl-NL"/>
@@ -3285,10 +3285,9 @@
           </a:lstStyle>
           <a:p>
             <a:r>
-              <a:rPr kumimoji="0" lang="en-US" smtClean="0"/>
+              <a:rPr kumimoji="0" lang="en-US"/>
               <a:t>Click to edit Master title style</a:t>
             </a:r>
-            <a:endParaRPr kumimoji="0" lang="en-US"/>
           </a:p>
         </p:txBody>
       </p:sp>
@@ -3356,7 +3355,7 @@
           </a:lstStyle>
           <a:p>
             <a:r>
-              <a:rPr kumimoji="0" lang="en-US" smtClean="0"/>
+              <a:rPr kumimoji="0" lang="en-US"/>
               <a:t>Click icon to add picture</a:t>
             </a:r>
             <a:endParaRPr kumimoji="0" lang="en-US" dirty="0"/>
@@ -3423,7 +3422,7 @@
           <a:p>
             <a:pPr lvl="0" eaLnBrk="1" latinLnBrk="0" hangingPunct="1"/>
             <a:r>
-              <a:rPr kumimoji="0" lang="en-US" smtClean="0"/>
+              <a:rPr kumimoji="0" lang="en-US"/>
               <a:t>Click to edit Master text styles</a:t>
             </a:r>
           </a:p>
@@ -3452,7 +3451,7 @@
             <a:fld id="{C699CB88-5E1A-4FAC-892A-60949ACB1F6F}" type="datetimeFigureOut">
               <a:rPr lang="en-US" smtClean="0"/>
               <a:pPr/>
-              <a:t>10/5/17</a:t>
+              <a:t>10/8/18</a:t>
             </a:fld>
             <a:endParaRPr lang="en-US"/>
           </a:p>
@@ -3496,9 +3495,7 @@
         </p:style>
         <p:txBody>
           <a:bodyPr rtlCol="0" anchor="ctr"/>
-          <a:lstStyle>
-            <a:extLst/>
-          </a:lstStyle>
+          <a:lstStyle/>
           <a:p>
             <a:pPr algn="ctr" eaLnBrk="1" latinLnBrk="0" hangingPunct="1"/>
             <a:endParaRPr kumimoji="0" lang="en-US"/>
@@ -3543,9 +3540,7 @@
         </p:style>
         <p:txBody>
           <a:bodyPr rtlCol="0" anchor="ctr"/>
-          <a:lstStyle>
-            <a:extLst/>
-          </a:lstStyle>
+          <a:lstStyle/>
           <a:p>
             <a:pPr algn="ctr" eaLnBrk="1" latinLnBrk="0" hangingPunct="1"/>
             <a:endParaRPr kumimoji="0" lang="en-US"/>
@@ -3653,15 +3648,12 @@
         <p:spPr/>
         <p:txBody>
           <a:bodyPr/>
-          <a:lstStyle>
-            <a:extLst/>
-          </a:lstStyle>
-          <a:p>
-            <a:r>
-              <a:rPr kumimoji="0" lang="en-US" smtClean="0"/>
+          <a:lstStyle/>
+          <a:p>
+            <a:r>
+              <a:rPr kumimoji="0" lang="en-US"/>
               <a:t>Click to edit Master title style</a:t>
             </a:r>
-            <a:endParaRPr kumimoji="0" lang="en-US"/>
           </a:p>
         </p:txBody>
       </p:sp>
@@ -3678,41 +3670,39 @@
         <p:spPr/>
         <p:txBody>
           <a:bodyPr vert="eaVert"/>
-          <a:lstStyle>
-            <a:extLst/>
-          </a:lstStyle>
+          <a:lstStyle/>
           <a:p>
             <a:pPr lvl="0" eaLnBrk="1" latinLnBrk="0" hangingPunct="1"/>
             <a:r>
-              <a:rPr lang="en-US" smtClean="0"/>
+              <a:rPr lang="en-US"/>
               <a:t>Click to edit Master text styles</a:t>
             </a:r>
           </a:p>
           <a:p>
             <a:pPr lvl="1" eaLnBrk="1" latinLnBrk="0" hangingPunct="1"/>
             <a:r>
-              <a:rPr lang="en-US" smtClean="0"/>
+              <a:rPr lang="en-US"/>
               <a:t>Second level</a:t>
             </a:r>
           </a:p>
           <a:p>
             <a:pPr lvl="2" eaLnBrk="1" latinLnBrk="0" hangingPunct="1"/>
             <a:r>
-              <a:rPr lang="en-US" smtClean="0"/>
+              <a:rPr lang="en-US"/>
               <a:t>Third level</a:t>
             </a:r>
           </a:p>
           <a:p>
             <a:pPr lvl="3" eaLnBrk="1" latinLnBrk="0" hangingPunct="1"/>
             <a:r>
-              <a:rPr lang="en-US" smtClean="0"/>
+              <a:rPr lang="en-US"/>
               <a:t>Fourth level</a:t>
             </a:r>
           </a:p>
           <a:p>
             <a:pPr lvl="4" eaLnBrk="1" latinLnBrk="0" hangingPunct="1"/>
             <a:r>
-              <a:rPr lang="en-US" smtClean="0"/>
+              <a:rPr lang="en-US"/>
               <a:t>Fifth level</a:t>
             </a:r>
             <a:endParaRPr kumimoji="0" lang="en-US"/>
@@ -3737,7 +3727,7 @@
             <a:fld id="{C699CB88-5E1A-4FAC-892A-60949ACB1F6F}" type="datetimeFigureOut">
               <a:rPr lang="en-US" smtClean="0"/>
               <a:pPr/>
-              <a:t>10/5/17</a:t>
+              <a:t>10/8/18</a:t>
             </a:fld>
             <a:endParaRPr lang="en-US"/>
           </a:p>
@@ -3856,9 +3846,7 @@
         </p:style>
         <p:txBody>
           <a:bodyPr rtlCol="0" anchor="ctr"/>
-          <a:lstStyle>
-            <a:extLst/>
-          </a:lstStyle>
+          <a:lstStyle/>
           <a:p>
             <a:pPr algn="ctr" eaLnBrk="1" latinLnBrk="0" hangingPunct="1"/>
             <a:endParaRPr kumimoji="0" lang="en-US"/>
@@ -3903,9 +3891,7 @@
         </p:style>
         <p:txBody>
           <a:bodyPr rtlCol="0" anchor="ctr"/>
-          <a:lstStyle>
-            <a:extLst/>
-          </a:lstStyle>
+          <a:lstStyle/>
           <a:p>
             <a:pPr algn="ctr" eaLnBrk="1" latinLnBrk="0" hangingPunct="1"/>
             <a:endParaRPr kumimoji="0" lang="en-US"/>
@@ -3930,15 +3916,12 @@
         </p:spPr>
         <p:txBody>
           <a:bodyPr vert="eaVert"/>
-          <a:lstStyle>
-            <a:extLst/>
-          </a:lstStyle>
-          <a:p>
-            <a:r>
-              <a:rPr kumimoji="0" lang="en-US" smtClean="0"/>
+          <a:lstStyle/>
+          <a:p>
+            <a:r>
+              <a:rPr kumimoji="0" lang="en-US"/>
               <a:t>Click to edit Master title style</a:t>
             </a:r>
-            <a:endParaRPr kumimoji="0" lang="en-US"/>
           </a:p>
         </p:txBody>
       </p:sp>
@@ -3960,41 +3943,39 @@
         </p:spPr>
         <p:txBody>
           <a:bodyPr vert="eaVert"/>
-          <a:lstStyle>
-            <a:extLst/>
-          </a:lstStyle>
+          <a:lstStyle/>
           <a:p>
             <a:pPr lvl="0" eaLnBrk="1" latinLnBrk="0" hangingPunct="1"/>
             <a:r>
-              <a:rPr lang="en-US" smtClean="0"/>
+              <a:rPr lang="en-US"/>
               <a:t>Click to edit Master text styles</a:t>
             </a:r>
           </a:p>
           <a:p>
             <a:pPr lvl="1" eaLnBrk="1" latinLnBrk="0" hangingPunct="1"/>
             <a:r>
-              <a:rPr lang="en-US" smtClean="0"/>
+              <a:rPr lang="en-US"/>
               <a:t>Second level</a:t>
             </a:r>
           </a:p>
           <a:p>
             <a:pPr lvl="2" eaLnBrk="1" latinLnBrk="0" hangingPunct="1"/>
             <a:r>
-              <a:rPr lang="en-US" smtClean="0"/>
+              <a:rPr lang="en-US"/>
               <a:t>Third level</a:t>
             </a:r>
           </a:p>
           <a:p>
             <a:pPr lvl="3" eaLnBrk="1" latinLnBrk="0" hangingPunct="1"/>
             <a:r>
-              <a:rPr lang="en-US" smtClean="0"/>
+              <a:rPr lang="en-US"/>
               <a:t>Fourth level</a:t>
             </a:r>
           </a:p>
           <a:p>
             <a:pPr lvl="4" eaLnBrk="1" latinLnBrk="0" hangingPunct="1"/>
             <a:r>
-              <a:rPr lang="en-US" smtClean="0"/>
+              <a:rPr lang="en-US"/>
               <a:t>Fifth level</a:t>
             </a:r>
             <a:endParaRPr kumimoji="0" lang="en-US"/>
@@ -4019,7 +4000,7 @@
             <a:fld id="{C699CB88-5E1A-4FAC-892A-60949ACB1F6F}" type="datetimeFigureOut">
               <a:rPr lang="en-US" smtClean="0"/>
               <a:pPr/>
-              <a:t>10/5/17</a:t>
+              <a:t>10/8/18</a:t>
             </a:fld>
             <a:endParaRPr lang="en-US"/>
           </a:p>
@@ -4123,7 +4104,7 @@
           </a:lstStyle>
           <a:p>
             <a:r>
-              <a:rPr lang="en-US" smtClean="0"/>
+              <a:rPr lang="en-US"/>
               <a:t>Click to edit Master title style</a:t>
             </a:r>
             <a:endParaRPr lang="nl-NL"/>
@@ -4189,7 +4170,7 @@
           <a:p>
             <a:pPr lvl="0"/>
             <a:r>
-              <a:rPr lang="en-US" smtClean="0"/>
+              <a:rPr lang="en-US"/>
               <a:t>Click to edit Master text styles</a:t>
             </a:r>
           </a:p>
@@ -4265,7 +4246,7 @@
           <a:lstStyle/>
           <a:p>
             <a:r>
-              <a:rPr lang="en-US" smtClean="0"/>
+              <a:rPr lang="en-US"/>
               <a:t>Click to edit Master title style</a:t>
             </a:r>
             <a:endParaRPr lang="nl-NL"/>
@@ -4322,35 +4303,35 @@
           <a:p>
             <a:pPr lvl="0"/>
             <a:r>
-              <a:rPr lang="en-US" smtClean="0"/>
+              <a:rPr lang="en-US"/>
               <a:t>Click to edit Master text styles</a:t>
             </a:r>
           </a:p>
           <a:p>
             <a:pPr lvl="1"/>
             <a:r>
-              <a:rPr lang="en-US" smtClean="0"/>
+              <a:rPr lang="en-US"/>
               <a:t>Second level</a:t>
             </a:r>
           </a:p>
           <a:p>
             <a:pPr lvl="2"/>
             <a:r>
-              <a:rPr lang="en-US" smtClean="0"/>
+              <a:rPr lang="en-US"/>
               <a:t>Third level</a:t>
             </a:r>
           </a:p>
           <a:p>
             <a:pPr lvl="3"/>
             <a:r>
-              <a:rPr lang="en-US" smtClean="0"/>
+              <a:rPr lang="en-US"/>
               <a:t>Fourth level</a:t>
             </a:r>
           </a:p>
           <a:p>
             <a:pPr lvl="4"/>
             <a:r>
-              <a:rPr lang="en-US" smtClean="0"/>
+              <a:rPr lang="en-US"/>
               <a:t>Fifth level</a:t>
             </a:r>
             <a:endParaRPr lang="nl-NL"/>
@@ -4407,35 +4388,35 @@
           <a:p>
             <a:pPr lvl="0"/>
             <a:r>
-              <a:rPr lang="en-US" smtClean="0"/>
+              <a:rPr lang="en-US"/>
               <a:t>Click to edit Master text styles</a:t>
             </a:r>
           </a:p>
           <a:p>
             <a:pPr lvl="1"/>
             <a:r>
-              <a:rPr lang="en-US" smtClean="0"/>
+              <a:rPr lang="en-US"/>
               <a:t>Second level</a:t>
             </a:r>
           </a:p>
           <a:p>
             <a:pPr lvl="2"/>
             <a:r>
-              <a:rPr lang="en-US" smtClean="0"/>
+              <a:rPr lang="en-US"/>
               <a:t>Third level</a:t>
             </a:r>
           </a:p>
           <a:p>
             <a:pPr lvl="3"/>
             <a:r>
-              <a:rPr lang="en-US" smtClean="0"/>
+              <a:rPr lang="en-US"/>
               <a:t>Fourth level</a:t>
             </a:r>
           </a:p>
           <a:p>
             <a:pPr lvl="4"/>
             <a:r>
-              <a:rPr lang="en-US" smtClean="0"/>
+              <a:rPr lang="en-US"/>
               <a:t>Fifth level</a:t>
             </a:r>
             <a:endParaRPr lang="nl-NL"/>
@@ -4521,7 +4502,7 @@
           </a:lstStyle>
           <a:p>
             <a:r>
-              <a:rPr lang="en-US" smtClean="0"/>
+              <a:rPr lang="en-US"/>
               <a:t>Click to edit Master title style</a:t>
             </a:r>
             <a:endParaRPr lang="nl-NL"/>
@@ -4587,7 +4568,7 @@
           <a:p>
             <a:pPr lvl="0"/>
             <a:r>
-              <a:rPr lang="en-US" smtClean="0"/>
+              <a:rPr lang="en-US"/>
               <a:t>Click to edit Master text styles</a:t>
             </a:r>
           </a:p>
@@ -4643,35 +4624,35 @@
           <a:p>
             <a:pPr lvl="0"/>
             <a:r>
-              <a:rPr lang="en-US" smtClean="0"/>
+              <a:rPr lang="en-US"/>
               <a:t>Click to edit Master text styles</a:t>
             </a:r>
           </a:p>
           <a:p>
             <a:pPr lvl="1"/>
             <a:r>
-              <a:rPr lang="en-US" smtClean="0"/>
+              <a:rPr lang="en-US"/>
               <a:t>Second level</a:t>
             </a:r>
           </a:p>
           <a:p>
             <a:pPr lvl="2"/>
             <a:r>
-              <a:rPr lang="en-US" smtClean="0"/>
+              <a:rPr lang="en-US"/>
               <a:t>Third level</a:t>
             </a:r>
           </a:p>
           <a:p>
             <a:pPr lvl="3"/>
             <a:r>
-              <a:rPr lang="en-US" smtClean="0"/>
+              <a:rPr lang="en-US"/>
               <a:t>Fourth level</a:t>
             </a:r>
           </a:p>
           <a:p>
             <a:pPr lvl="4"/>
             <a:r>
-              <a:rPr lang="en-US" smtClean="0"/>
+              <a:rPr lang="en-US"/>
               <a:t>Fifth level</a:t>
             </a:r>
             <a:endParaRPr lang="nl-NL"/>
@@ -4737,7 +4718,7 @@
           <a:p>
             <a:pPr lvl="0"/>
             <a:r>
-              <a:rPr lang="en-US" smtClean="0"/>
+              <a:rPr lang="en-US"/>
               <a:t>Click to edit Master text styles</a:t>
             </a:r>
           </a:p>
@@ -4793,35 +4774,35 @@
           <a:p>
             <a:pPr lvl="0"/>
             <a:r>
-              <a:rPr lang="en-US" smtClean="0"/>
+              <a:rPr lang="en-US"/>
               <a:t>Click to edit Master text styles</a:t>
             </a:r>
           </a:p>
           <a:p>
             <a:pPr lvl="1"/>
             <a:r>
-              <a:rPr lang="en-US" smtClean="0"/>
+              <a:rPr lang="en-US"/>
               <a:t>Second level</a:t>
             </a:r>
           </a:p>
           <a:p>
             <a:pPr lvl="2"/>
             <a:r>
-              <a:rPr lang="en-US" smtClean="0"/>
+              <a:rPr lang="en-US"/>
               <a:t>Third level</a:t>
             </a:r>
           </a:p>
           <a:p>
             <a:pPr lvl="3"/>
             <a:r>
-              <a:rPr lang="en-US" smtClean="0"/>
+              <a:rPr lang="en-US"/>
               <a:t>Fourth level</a:t>
             </a:r>
           </a:p>
           <a:p>
             <a:pPr lvl="4"/>
             <a:r>
-              <a:rPr lang="en-US" smtClean="0"/>
+              <a:rPr lang="en-US"/>
               <a:t>Fifth level</a:t>
             </a:r>
             <a:endParaRPr lang="nl-NL"/>
@@ -4898,7 +4879,7 @@
           <a:lstStyle/>
           <a:p>
             <a:r>
-              <a:rPr lang="en-US" smtClean="0"/>
+              <a:rPr lang="en-US"/>
               <a:t>Click to edit Master title style</a:t>
             </a:r>
             <a:endParaRPr lang="nl-NL"/>
@@ -5038,7 +5019,7 @@
           </a:lstStyle>
           <a:p>
             <a:r>
-              <a:rPr lang="en-US" smtClean="0"/>
+              <a:rPr lang="en-US"/>
               <a:t>Click to edit Master title style</a:t>
             </a:r>
             <a:endParaRPr lang="nl-NL"/>
@@ -5095,35 +5076,35 @@
           <a:p>
             <a:pPr lvl="0"/>
             <a:r>
-              <a:rPr lang="en-US" smtClean="0"/>
+              <a:rPr lang="en-US"/>
               <a:t>Click to edit Master text styles</a:t>
             </a:r>
           </a:p>
           <a:p>
             <a:pPr lvl="1"/>
             <a:r>
-              <a:rPr lang="en-US" smtClean="0"/>
+              <a:rPr lang="en-US"/>
               <a:t>Second level</a:t>
             </a:r>
           </a:p>
           <a:p>
             <a:pPr lvl="2"/>
             <a:r>
-              <a:rPr lang="en-US" smtClean="0"/>
+              <a:rPr lang="en-US"/>
               <a:t>Third level</a:t>
             </a:r>
           </a:p>
           <a:p>
             <a:pPr lvl="3"/>
             <a:r>
-              <a:rPr lang="en-US" smtClean="0"/>
+              <a:rPr lang="en-US"/>
               <a:t>Fourth level</a:t>
             </a:r>
           </a:p>
           <a:p>
             <a:pPr lvl="4"/>
             <a:r>
-              <a:rPr lang="en-US" smtClean="0"/>
+              <a:rPr lang="en-US"/>
               <a:t>Fifth level</a:t>
             </a:r>
             <a:endParaRPr lang="nl-NL"/>
@@ -5189,7 +5170,7 @@
           <a:p>
             <a:pPr lvl="0"/>
             <a:r>
-              <a:rPr lang="en-US" smtClean="0"/>
+              <a:rPr lang="en-US"/>
               <a:t>Click to edit Master text styles</a:t>
             </a:r>
           </a:p>
@@ -5274,7 +5255,7 @@
           </a:lstStyle>
           <a:p>
             <a:r>
-              <a:rPr lang="en-US" smtClean="0"/>
+              <a:rPr lang="en-US"/>
               <a:t>Click to edit Master title style</a:t>
             </a:r>
             <a:endParaRPr lang="nl-NL"/>
@@ -5339,7 +5320,7 @@
           </a:lstStyle>
           <a:p>
             <a:r>
-              <a:rPr lang="en-US" smtClean="0"/>
+              <a:rPr lang="en-US"/>
               <a:t>Click icon to add picture</a:t>
             </a:r>
             <a:endParaRPr lang="nl-NL"/>
@@ -5405,7 +5386,7 @@
           <a:p>
             <a:pPr lvl="0"/>
             <a:r>
-              <a:rPr lang="en-US" smtClean="0"/>
+              <a:rPr lang="en-US"/>
               <a:t>Click to edit Master text styles</a:t>
             </a:r>
           </a:p>
@@ -5510,28 +5491,28 @@
           <a:p>
             <a:pPr lvl="0"/>
             <a:r>
-              <a:rPr lang="en-US" smtClean="0"/>
+              <a:rPr lang="en-US"/>
               <a:t>click to edit Master text styles</a:t>
             </a:r>
           </a:p>
           <a:p>
             <a:pPr lvl="1"/>
             <a:r>
-              <a:rPr lang="en-US" smtClean="0"/>
+              <a:rPr lang="en-US"/>
               <a:t>second level</a:t>
             </a:r>
           </a:p>
           <a:p>
             <a:pPr lvl="2"/>
             <a:r>
-              <a:rPr lang="en-US" smtClean="0"/>
+              <a:rPr lang="en-US"/>
               <a:t>third level</a:t>
             </a:r>
           </a:p>
           <a:p>
             <a:pPr lvl="3"/>
             <a:r>
-              <a:rPr lang="en-US" smtClean="0"/>
+              <a:rPr lang="en-US"/>
               <a:t>fourth level</a:t>
             </a:r>
           </a:p>
@@ -5574,7 +5555,7 @@
           <a:p>
             <a:pPr lvl="0"/>
             <a:r>
-              <a:rPr lang="en-US" smtClean="0"/>
+              <a:rPr lang="en-US"/>
               <a:t>Click to edit Master title style</a:t>
             </a:r>
           </a:p>
@@ -6188,9 +6169,7 @@
         </p:style>
         <p:txBody>
           <a:bodyPr rtlCol="0" anchor="ctr"/>
-          <a:lstStyle>
-            <a:extLst/>
-          </a:lstStyle>
+          <a:lstStyle/>
           <a:p>
             <a:pPr algn="ctr" eaLnBrk="1" latinLnBrk="0" hangingPunct="1"/>
             <a:endParaRPr kumimoji="0" lang="en-US"/>
@@ -6235,9 +6214,7 @@
         </p:style>
         <p:txBody>
           <a:bodyPr rtlCol="0" anchor="ctr"/>
-          <a:lstStyle>
-            <a:extLst/>
-          </a:lstStyle>
+          <a:lstStyle/>
           <a:p>
             <a:pPr algn="ctr" eaLnBrk="1" latinLnBrk="0" hangingPunct="1"/>
             <a:endParaRPr kumimoji="0" lang="en-US"/>
@@ -6276,15 +6253,12 @@
               <a:bevelT w="50800" h="10160"/>
             </a:sp3d>
           </a:bodyPr>
-          <a:lstStyle>
-            <a:extLst/>
-          </a:lstStyle>
-          <a:p>
-            <a:r>
-              <a:rPr kumimoji="0" lang="en-US" smtClean="0"/>
+          <a:lstStyle/>
+          <a:p>
+            <a:r>
+              <a:rPr kumimoji="0" lang="en-US"/>
               <a:t>Click to edit Master title style</a:t>
             </a:r>
-            <a:endParaRPr kumimoji="0" lang="en-US"/>
           </a:p>
         </p:txBody>
       </p:sp>
@@ -6311,44 +6285,41 @@
           <a:bodyPr vert="horz" lIns="54864" tIns="91440" rtlCol="0">
             <a:normAutofit/>
           </a:bodyPr>
-          <a:lstStyle>
-            <a:extLst/>
-          </a:lstStyle>
+          <a:lstStyle/>
           <a:p>
             <a:pPr lvl="0" eaLnBrk="1" latinLnBrk="0" hangingPunct="1"/>
             <a:r>
-              <a:rPr kumimoji="0" lang="en-US" smtClean="0"/>
+              <a:rPr kumimoji="0" lang="en-US"/>
               <a:t>Click to edit Master text styles</a:t>
             </a:r>
           </a:p>
           <a:p>
             <a:pPr lvl="1" eaLnBrk="1" latinLnBrk="0" hangingPunct="1"/>
             <a:r>
-              <a:rPr kumimoji="0" lang="en-US" smtClean="0"/>
+              <a:rPr kumimoji="0" lang="en-US"/>
               <a:t>Second level</a:t>
             </a:r>
           </a:p>
           <a:p>
             <a:pPr lvl="2" eaLnBrk="1" latinLnBrk="0" hangingPunct="1"/>
             <a:r>
-              <a:rPr kumimoji="0" lang="en-US" smtClean="0"/>
+              <a:rPr kumimoji="0" lang="en-US"/>
               <a:t>Third level</a:t>
             </a:r>
           </a:p>
           <a:p>
             <a:pPr lvl="3" eaLnBrk="1" latinLnBrk="0" hangingPunct="1"/>
             <a:r>
-              <a:rPr kumimoji="0" lang="en-US" smtClean="0"/>
+              <a:rPr kumimoji="0" lang="en-US"/>
               <a:t>Fourth level</a:t>
             </a:r>
           </a:p>
           <a:p>
             <a:pPr lvl="4" eaLnBrk="1" latinLnBrk="0" hangingPunct="1"/>
             <a:r>
-              <a:rPr kumimoji="0" lang="en-US" smtClean="0"/>
+              <a:rPr kumimoji="0" lang="en-US"/>
               <a:t>Fifth level</a:t>
             </a:r>
-            <a:endParaRPr kumimoji="0" lang="en-US"/>
           </a:p>
         </p:txBody>
       </p:sp>
@@ -6389,7 +6360,7 @@
             <a:fld id="{D7C3A134-F1C3-464B-BF47-54DC2DE08F52}" type="datetimeFigureOut">
               <a:rPr lang="en-US" smtClean="0"/>
               <a:pPr/>
-              <a:t>10/5/17</a:t>
+              <a:t>10/8/18</a:t>
             </a:fld>
             <a:endParaRPr lang="en-US" dirty="0"/>
           </a:p>
@@ -6819,17 +6790,16 @@
           <a:lstStyle/>
           <a:p>
             <a:r>
-              <a:rPr lang="en-US" dirty="0" smtClean="0"/>
+              <a:rPr lang="en-US" dirty="0"/>
               <a:t>Introduction to programming with Python</a:t>
             </a:r>
             <a:br>
-              <a:rPr lang="en-US" dirty="0" smtClean="0"/>
+              <a:rPr lang="en-US" dirty="0"/>
             </a:br>
             <a:r>
-              <a:rPr lang="en-US" sz="3600" dirty="0" smtClean="0"/>
+              <a:rPr lang="en-US" sz="3600" dirty="0"/>
               <a:t>Booleans</a:t>
             </a:r>
-            <a:endParaRPr lang="en-US" sz="3600" dirty="0"/>
           </a:p>
         </p:txBody>
       </p:sp>
@@ -6856,10 +6826,9 @@
           <a:lstStyle/>
           <a:p>
             <a:r>
-              <a:rPr lang="en-US" dirty="0" smtClean="0"/>
+              <a:rPr lang="en-US" dirty="0"/>
               <a:t>Bioinformatics data processing and –analysis using the scripting language Python</a:t>
             </a:r>
-            <a:endParaRPr lang="en-US" dirty="0"/>
           </a:p>
         </p:txBody>
       </p:sp>
@@ -6886,27 +6855,27 @@
           <a:lstStyle/>
           <a:p>
             <a:r>
-              <a:rPr lang="en-US" dirty="0" smtClean="0"/>
+              <a:rPr lang="en-US" dirty="0"/>
               <a:t>J. Hageman</a:t>
             </a:r>
           </a:p>
           <a:p>
             <a:r>
-              <a:rPr lang="en-US" dirty="0" err="1" smtClean="0"/>
+              <a:rPr lang="en-US" dirty="0" err="1"/>
               <a:t>Hanze</a:t>
             </a:r>
             <a:r>
-              <a:rPr lang="en-US" dirty="0" smtClean="0"/>
+              <a:rPr lang="en-US" dirty="0"/>
               <a:t> </a:t>
             </a:r>
             <a:r>
-              <a:rPr lang="en-US" i="1" dirty="0" smtClean="0"/>
+              <a:rPr lang="en-US" i="1" dirty="0"/>
               <a:t>University of Applied Sciences</a:t>
             </a:r>
           </a:p>
           <a:p>
             <a:r>
-              <a:rPr lang="en-US" dirty="0" smtClean="0"/>
+              <a:rPr lang="en-US" dirty="0"/>
               <a:t>Groningen</a:t>
             </a:r>
             <a:endParaRPr lang="nl-NL" dirty="0"/>
@@ -6918,13 +6887,6 @@
   <p:clrMapOvr>
     <a:masterClrMapping/>
   </p:clrMapOvr>
-  <p:timing>
-    <p:tnLst>
-      <p:par>
-        <p:cTn id="1" dur="indefinite" restart="never" nodeType="tmRoot"/>
-      </p:par>
-    </p:tnLst>
-  </p:timing>
 </p:sld>
 </file>
 
@@ -6961,10 +6923,9 @@
           <a:lstStyle/>
           <a:p>
             <a:r>
-              <a:rPr lang="en-US" dirty="0" smtClean="0"/>
+              <a:rPr lang="en-US" dirty="0"/>
               <a:t>Operators</a:t>
             </a:r>
-            <a:endParaRPr lang="en-US" dirty="0"/>
           </a:p>
         </p:txBody>
       </p:sp>
@@ -7030,15 +6991,15 @@
           <a:p>
             <a:pPr algn="ctr"/>
             <a:r>
-              <a:rPr lang="en-US" sz="2000" dirty="0" smtClean="0"/>
+              <a:rPr lang="en-US" sz="2000" dirty="0"/>
               <a:t>As soon as an </a:t>
             </a:r>
             <a:r>
-              <a:rPr lang="en-US" sz="2000" b="1" dirty="0" smtClean="0"/>
+              <a:rPr lang="en-US" sz="2000" b="1" dirty="0"/>
               <a:t>and</a:t>
             </a:r>
             <a:r>
-              <a:rPr lang="en-US" sz="2000" dirty="0" smtClean="0"/>
+              <a:rPr lang="en-US" sz="2000" dirty="0"/>
               <a:t> expression finds False: it’s False.</a:t>
             </a:r>
             <a:endParaRPr lang="nl-NL" sz="2000" dirty="0">
@@ -7087,15 +7048,15 @@
           <a:p>
             <a:pPr algn="ctr"/>
             <a:r>
-              <a:rPr lang="en-US" sz="2000" dirty="0" smtClean="0"/>
+              <a:rPr lang="en-US" sz="2000" dirty="0"/>
               <a:t>As soon as an </a:t>
             </a:r>
             <a:r>
-              <a:rPr lang="en-US" sz="2000" b="1" dirty="0" smtClean="0"/>
+              <a:rPr lang="en-US" sz="2000" b="1" dirty="0"/>
               <a:t>or</a:t>
             </a:r>
             <a:r>
-              <a:rPr lang="en-US" sz="2000" dirty="0" smtClean="0"/>
+              <a:rPr lang="en-US" sz="2000" dirty="0"/>
               <a:t> expression finds True: it’s True.</a:t>
             </a:r>
             <a:endParaRPr lang="nl-NL" sz="2000" dirty="0">
@@ -7116,13 +7077,6 @@
   <p:clrMapOvr>
     <a:masterClrMapping/>
   </p:clrMapOvr>
-  <p:timing>
-    <p:tnLst>
-      <p:par>
-        <p:cTn id="1" dur="indefinite" restart="never" nodeType="tmRoot"/>
-      </p:par>
-    </p:tnLst>
-  </p:timing>
 </p:sld>
 </file>
 
@@ -7159,10 +7113,9 @@
           <a:lstStyle/>
           <a:p>
             <a:r>
-              <a:rPr lang="en-US" dirty="0" smtClean="0"/>
+              <a:rPr lang="en-US" dirty="0"/>
               <a:t>Boolean Operator Priority</a:t>
             </a:r>
-            <a:endParaRPr lang="en-US" dirty="0"/>
           </a:p>
         </p:txBody>
       </p:sp>
@@ -7189,16 +7142,12 @@
           <a:lstStyle/>
           <a:p>
             <a:r>
-              <a:rPr lang="en-US" b="1" dirty="0" smtClean="0"/>
+              <a:rPr lang="en-US" b="1" dirty="0"/>
               <a:t>or</a:t>
             </a:r>
             <a:r>
-              <a:rPr lang="en-US" dirty="0" smtClean="0"/>
-              <a:t> is </a:t>
-            </a:r>
-            <a:r>
               <a:rPr lang="en-US" dirty="0"/>
-              <a:t>a short-circuit operator, so it only evaluates the second argument if the first one is </a:t>
+              <a:t> is a short-circuit operator, so it only evaluates the second argument if the first one is </a:t>
             </a:r>
             <a:r>
               <a:rPr lang="en-US" b="1" dirty="0"/>
@@ -7208,7 +7157,7 @@
               <a:rPr lang="en-US" dirty="0"/>
               <a:t>.</a:t>
             </a:r>
-            <a:endParaRPr lang="en-US" b="1" dirty="0" smtClean="0"/>
+            <a:endParaRPr lang="en-US" b="1" dirty="0"/>
           </a:p>
         </p:txBody>
       </p:sp>
@@ -7274,11 +7223,11 @@
           <a:p>
             <a:pPr algn="ctr"/>
             <a:r>
-              <a:rPr lang="en-US" sz="2000" dirty="0" smtClean="0"/>
+              <a:rPr lang="en-US" sz="2000" dirty="0"/>
               <a:t>bool(0) is False so Python will </a:t>
             </a:r>
             <a:r>
-              <a:rPr lang="en-US" sz="2000" smtClean="0"/>
+              <a:rPr lang="en-US" sz="2000"/>
               <a:t>continue with bool(1)</a:t>
             </a:r>
             <a:endParaRPr lang="nl-NL" sz="2000" dirty="0">
@@ -7327,7 +7276,7 @@
           <a:p>
             <a:pPr algn="ctr"/>
             <a:r>
-              <a:rPr lang="en-US" sz="2000" dirty="0" smtClean="0"/>
+              <a:rPr lang="en-US" sz="2000" dirty="0"/>
               <a:t>bool(1) is True so Python will stop. No need to continue.</a:t>
             </a:r>
             <a:endParaRPr lang="nl-NL" sz="2000" dirty="0">
@@ -7376,7 +7325,7 @@
           <a:p>
             <a:pPr algn="ctr"/>
             <a:r>
-              <a:rPr lang="en-US" sz="2000" dirty="0" smtClean="0"/>
+              <a:rPr lang="en-US" sz="2000" dirty="0"/>
               <a:t>Python will stop here. No need to continue.</a:t>
             </a:r>
             <a:endParaRPr lang="nl-NL" sz="2000" dirty="0">
@@ -7397,13 +7346,6 @@
   <p:clrMapOvr>
     <a:masterClrMapping/>
   </p:clrMapOvr>
-  <p:timing>
-    <p:tnLst>
-      <p:par>
-        <p:cTn id="1" dur="indefinite" restart="never" nodeType="tmRoot"/>
-      </p:par>
-    </p:tnLst>
-  </p:timing>
 </p:sld>
 </file>
 
@@ -7464,10 +7406,9 @@
           <a:lstStyle/>
           <a:p>
             <a:r>
-              <a:rPr lang="en-US" dirty="0" smtClean="0"/>
+              <a:rPr lang="en-US" dirty="0"/>
               <a:t>Boolean Operator Priority</a:t>
             </a:r>
-            <a:endParaRPr lang="en-US" dirty="0"/>
           </a:p>
         </p:txBody>
       </p:sp>
@@ -7494,22 +7435,14 @@
           <a:lstStyle/>
           <a:p>
             <a:r>
-              <a:rPr lang="en-US" b="1" dirty="0" smtClean="0"/>
+              <a:rPr lang="en-US" b="1" dirty="0"/>
               <a:t>and</a:t>
             </a:r>
             <a:r>
-              <a:rPr lang="en-US" dirty="0" smtClean="0"/>
-              <a:t> is also </a:t>
-            </a:r>
-            <a:r>
               <a:rPr lang="en-US" dirty="0"/>
-              <a:t>short-circuit operator, so it only evaluates the second argument if the first one is </a:t>
-            </a:r>
-            <a:r>
-              <a:rPr lang="en-US" dirty="0" smtClean="0"/>
-              <a:t>true.</a:t>
-            </a:r>
-            <a:endParaRPr lang="en-US" b="1" dirty="0" smtClean="0"/>
+              <a:t> is also short-circuit operator, so it only evaluates the second argument if the first one is true.</a:t>
+            </a:r>
+            <a:endParaRPr lang="en-US" b="1" dirty="0"/>
           </a:p>
         </p:txBody>
       </p:sp>
@@ -7551,11 +7484,11 @@
           <a:p>
             <a:pPr algn="ctr"/>
             <a:r>
-              <a:rPr lang="en-US" sz="2000" dirty="0" smtClean="0"/>
+              <a:rPr lang="en-US" sz="2000" dirty="0"/>
               <a:t>bool(0) is False so Python will </a:t>
             </a:r>
             <a:r>
-              <a:rPr lang="en-US" sz="2000" smtClean="0"/>
+              <a:rPr lang="en-US" sz="2000"/>
               <a:t>stop here.</a:t>
             </a:r>
             <a:endParaRPr lang="nl-NL" sz="2000" dirty="0">
@@ -7604,7 +7537,7 @@
           <a:p>
             <a:pPr algn="ctr"/>
             <a:r>
-              <a:rPr lang="en-US" sz="2000" dirty="0" smtClean="0"/>
+              <a:rPr lang="en-US" sz="2000" dirty="0"/>
               <a:t>bool(1) is True so Python will continue. </a:t>
             </a:r>
             <a:endParaRPr lang="nl-NL" sz="2000" dirty="0">
@@ -7653,7 +7586,7 @@
           <a:p>
             <a:pPr algn="ctr"/>
             <a:r>
-              <a:rPr lang="en-US" sz="2000" dirty="0" smtClean="0"/>
+              <a:rPr lang="en-US" sz="2000" dirty="0"/>
               <a:t>Python will stop here. No need to continue.</a:t>
             </a:r>
             <a:endParaRPr lang="nl-NL" sz="2000" dirty="0">
@@ -7674,13 +7607,6 @@
   <p:clrMapOvr>
     <a:masterClrMapping/>
   </p:clrMapOvr>
-  <p:timing>
-    <p:tnLst>
-      <p:par>
-        <p:cTn id="1" dur="indefinite" restart="never" nodeType="tmRoot"/>
-      </p:par>
-    </p:tnLst>
-  </p:timing>
 </p:sld>
 </file>
 
@@ -7717,10 +7643,9 @@
           <a:lstStyle/>
           <a:p>
             <a:r>
-              <a:rPr lang="en-US" dirty="0" smtClean="0"/>
+              <a:rPr lang="en-US" dirty="0"/>
               <a:t>Short circuit operator</a:t>
             </a:r>
-            <a:endParaRPr lang="en-US" dirty="0"/>
           </a:p>
         </p:txBody>
       </p:sp>
@@ -7786,7 +7711,7 @@
           <a:p>
             <a:pPr algn="ctr"/>
             <a:r>
-              <a:rPr lang="en-US" sz="2000" dirty="0" smtClean="0"/>
+              <a:rPr lang="en-US" sz="2000" dirty="0"/>
               <a:t>Two functions are defined: One returns True, the other False</a:t>
             </a:r>
             <a:endParaRPr lang="nl-NL" sz="2000" dirty="0">
@@ -7835,19 +7760,19 @@
           <a:p>
             <a:pPr algn="ctr"/>
             <a:r>
-              <a:rPr lang="en-US" sz="2000" dirty="0" err="1" smtClean="0"/>
+              <a:rPr lang="en-US" sz="2000" dirty="0" err="1"/>
               <a:t>return_false</a:t>
             </a:r>
             <a:r>
-              <a:rPr lang="en-US" sz="2000" dirty="0" smtClean="0"/>
+              <a:rPr lang="en-US" sz="2000" dirty="0"/>
               <a:t>() does not run because the </a:t>
             </a:r>
             <a:r>
-              <a:rPr lang="en-US" sz="2000" b="1" dirty="0" smtClean="0"/>
+              <a:rPr lang="en-US" sz="2000" b="1" dirty="0"/>
               <a:t>or</a:t>
             </a:r>
             <a:r>
-              <a:rPr lang="en-US" sz="2000" dirty="0" smtClean="0"/>
+              <a:rPr lang="en-US" sz="2000" dirty="0"/>
               <a:t> statement has received True already</a:t>
             </a:r>
             <a:endParaRPr lang="nl-NL" sz="2000" dirty="0">
@@ -7896,19 +7821,19 @@
           <a:p>
             <a:pPr algn="ctr"/>
             <a:r>
-              <a:rPr lang="en-US" sz="2000" dirty="0" err="1" smtClean="0"/>
+              <a:rPr lang="en-US" sz="2000" dirty="0" err="1"/>
               <a:t>return_true</a:t>
             </a:r>
             <a:r>
-              <a:rPr lang="en-US" sz="2000" dirty="0" smtClean="0"/>
+              <a:rPr lang="en-US" sz="2000" dirty="0"/>
               <a:t>() does not run because the </a:t>
             </a:r>
             <a:r>
-              <a:rPr lang="en-US" sz="2000" b="1" dirty="0" smtClean="0"/>
+              <a:rPr lang="en-US" sz="2000" b="1" dirty="0"/>
               <a:t>and</a:t>
             </a:r>
             <a:r>
-              <a:rPr lang="en-US" sz="2000" dirty="0" smtClean="0"/>
+              <a:rPr lang="en-US" sz="2000" dirty="0"/>
               <a:t> statement has received False already</a:t>
             </a:r>
             <a:endParaRPr lang="nl-NL" sz="2000" dirty="0">
@@ -7929,13 +7854,6 @@
   <p:clrMapOvr>
     <a:masterClrMapping/>
   </p:clrMapOvr>
-  <p:timing>
-    <p:tnLst>
-      <p:par>
-        <p:cTn id="1" dur="indefinite" restart="never" nodeType="tmRoot"/>
-      </p:par>
-    </p:tnLst>
-  </p:timing>
 </p:sld>
 </file>
 
@@ -7972,10 +7890,9 @@
           <a:lstStyle/>
           <a:p>
             <a:r>
-              <a:rPr lang="en-US" dirty="0" smtClean="0"/>
+              <a:rPr lang="en-US" dirty="0"/>
               <a:t>Brain heater</a:t>
             </a:r>
-            <a:endParaRPr lang="en-US" dirty="0"/>
           </a:p>
         </p:txBody>
       </p:sp>
@@ -8002,18 +7919,13 @@
           <a:lstStyle/>
           <a:p>
             <a:r>
-              <a:rPr lang="en-US" dirty="0" smtClean="0">
+              <a:rPr lang="en-US" dirty="0">
                 <a:latin typeface="Courier New" charset="0"/>
                 <a:ea typeface="Courier New" charset="0"/>
                 <a:cs typeface="Courier New" charset="0"/>
               </a:rPr>
               <a:t>1 and not (”Yes” == “Yes” or False) and not [] or 5 != 6</a:t>
             </a:r>
-            <a:endParaRPr lang="en-US" dirty="0">
-              <a:latin typeface="Courier New" charset="0"/>
-              <a:ea typeface="Courier New" charset="0"/>
-              <a:cs typeface="Courier New" charset="0"/>
-            </a:endParaRPr>
           </a:p>
         </p:txBody>
       </p:sp>
@@ -8040,7 +7952,7 @@
           <a:lstStyle/>
           <a:p>
             <a:r>
-              <a:rPr lang="en-US" sz="3600" dirty="0" smtClean="0">
+              <a:rPr lang="en-US" sz="3600" dirty="0">
                 <a:solidFill>
                   <a:srgbClr val="92D050"/>
                 </a:solidFill>
@@ -8048,11 +7960,11 @@
               <a:t>True</a:t>
             </a:r>
             <a:r>
-              <a:rPr lang="en-US" sz="3600" dirty="0" smtClean="0"/>
+              <a:rPr lang="en-US" sz="3600" dirty="0"/>
               <a:t> or </a:t>
             </a:r>
             <a:r>
-              <a:rPr lang="en-US" sz="3600" smtClean="0">
+              <a:rPr lang="en-US" sz="3600">
                 <a:solidFill>
                   <a:srgbClr val="FF0000"/>
                 </a:solidFill>
@@ -8060,7 +7972,7 @@
               <a:t>False</a:t>
             </a:r>
             <a:r>
-              <a:rPr lang="en-US" sz="3600" smtClean="0"/>
+              <a:rPr lang="en-US" sz="3600"/>
               <a:t>?</a:t>
             </a:r>
             <a:endParaRPr lang="en-US" sz="3600" dirty="0"/>
@@ -8077,13 +7989,6 @@
   <p:clrMapOvr>
     <a:masterClrMapping/>
   </p:clrMapOvr>
-  <p:timing>
-    <p:tnLst>
-      <p:par>
-        <p:cTn id="1" dur="indefinite" restart="never" nodeType="tmRoot"/>
-      </p:par>
-    </p:tnLst>
-  </p:timing>
 </p:sld>
 </file>
 
@@ -8120,10 +8025,9 @@
           <a:lstStyle/>
           <a:p>
             <a:r>
-              <a:rPr lang="en-US" dirty="0" smtClean="0"/>
+              <a:rPr lang="en-US" dirty="0"/>
               <a:t>Brain heater</a:t>
             </a:r>
-            <a:endParaRPr lang="en-US" dirty="0"/>
           </a:p>
         </p:txBody>
       </p:sp>
@@ -8150,18 +8054,13 @@
           <a:lstStyle/>
           <a:p>
             <a:r>
-              <a:rPr lang="en-US" dirty="0" smtClean="0">
+              <a:rPr lang="en-US" dirty="0">
                 <a:latin typeface="Courier New" charset="0"/>
                 <a:ea typeface="Courier New" charset="0"/>
                 <a:cs typeface="Courier New" charset="0"/>
               </a:rPr>
               <a:t>1 and not (”Yes” == “Yes” or False) and not [] or 5 != 6</a:t>
             </a:r>
-            <a:endParaRPr lang="en-US" dirty="0">
-              <a:latin typeface="Courier New" charset="0"/>
-              <a:ea typeface="Courier New" charset="0"/>
-              <a:cs typeface="Courier New" charset="0"/>
-            </a:endParaRPr>
           </a:p>
         </p:txBody>
       </p:sp>
@@ -8188,16 +8087,15 @@
           <a:lstStyle/>
           <a:p>
             <a:r>
-              <a:rPr lang="en-US" dirty="0" smtClean="0"/>
+              <a:rPr lang="en-US" dirty="0"/>
               <a:t>Not so hard as it seems.</a:t>
             </a:r>
           </a:p>
           <a:p>
             <a:r>
-              <a:rPr lang="en-US" dirty="0" smtClean="0"/>
+              <a:rPr lang="en-US" dirty="0"/>
               <a:t>First solve any equality checks: </a:t>
             </a:r>
-            <a:endParaRPr lang="en-US" dirty="0"/>
           </a:p>
         </p:txBody>
       </p:sp>
@@ -8224,18 +8122,13 @@
           <a:lstStyle/>
           <a:p>
             <a:r>
-              <a:rPr lang="en-US" dirty="0" smtClean="0">
+              <a:rPr lang="en-US" dirty="0">
                 <a:latin typeface="Courier New" charset="0"/>
                 <a:ea typeface="Courier New" charset="0"/>
                 <a:cs typeface="Courier New" charset="0"/>
               </a:rPr>
               <a:t>1 and not (True or False) and not [] or True</a:t>
             </a:r>
-            <a:endParaRPr lang="en-US" dirty="0">
-              <a:latin typeface="Courier New" charset="0"/>
-              <a:ea typeface="Courier New" charset="0"/>
-              <a:cs typeface="Courier New" charset="0"/>
-            </a:endParaRPr>
           </a:p>
         </p:txBody>
       </p:sp>
@@ -8291,18 +8184,13 @@
           <a:lstStyle/>
           <a:p>
             <a:r>
-              <a:rPr lang="en-US" dirty="0" smtClean="0">
+              <a:rPr lang="en-US" dirty="0">
                 <a:latin typeface="Courier New" charset="0"/>
                 <a:ea typeface="Courier New" charset="0"/>
                 <a:cs typeface="Courier New" charset="0"/>
               </a:rPr>
               <a:t>1 and not (True) and not [] or True</a:t>
             </a:r>
-            <a:endParaRPr lang="en-US" dirty="0">
-              <a:latin typeface="Courier New" charset="0"/>
-              <a:ea typeface="Courier New" charset="0"/>
-              <a:cs typeface="Courier New" charset="0"/>
-            </a:endParaRPr>
           </a:p>
         </p:txBody>
       </p:sp>
@@ -8358,18 +8246,13 @@
           <a:lstStyle/>
           <a:p>
             <a:r>
-              <a:rPr lang="en-US" dirty="0" smtClean="0">
+              <a:rPr lang="en-US" dirty="0">
                 <a:latin typeface="Courier New" charset="0"/>
                 <a:ea typeface="Courier New" charset="0"/>
                 <a:cs typeface="Courier New" charset="0"/>
               </a:rPr>
               <a:t>1 and False and True or True</a:t>
             </a:r>
-            <a:endParaRPr lang="en-US" dirty="0">
-              <a:latin typeface="Courier New" charset="0"/>
-              <a:ea typeface="Courier New" charset="0"/>
-              <a:cs typeface="Courier New" charset="0"/>
-            </a:endParaRPr>
           </a:p>
         </p:txBody>
       </p:sp>
@@ -8425,7 +8308,7 @@
           <a:lstStyle/>
           <a:p>
             <a:r>
-              <a:rPr lang="en-US" dirty="0" smtClean="0">
+              <a:rPr lang="en-US" dirty="0">
                 <a:latin typeface="Courier New" charset="0"/>
                 <a:ea typeface="Courier New" charset="0"/>
                 <a:cs typeface="Courier New" charset="0"/>
@@ -8433,18 +8316,13 @@
               <a:t>True and False and True </a:t>
             </a:r>
             <a:r>
-              <a:rPr lang="en-US" b="1" dirty="0" smtClean="0">
+              <a:rPr lang="en-US" b="1" dirty="0">
                 <a:latin typeface="Courier New" charset="0"/>
                 <a:ea typeface="Courier New" charset="0"/>
                 <a:cs typeface="Courier New" charset="0"/>
               </a:rPr>
               <a:t>or True</a:t>
             </a:r>
-            <a:endParaRPr lang="en-US" b="1" dirty="0">
-              <a:latin typeface="Courier New" charset="0"/>
-              <a:ea typeface="Courier New" charset="0"/>
-              <a:cs typeface="Courier New" charset="0"/>
-            </a:endParaRPr>
           </a:p>
         </p:txBody>
       </p:sp>
@@ -8471,18 +8349,13 @@
           <a:lstStyle/>
           <a:p>
             <a:r>
-              <a:rPr lang="en-US" dirty="0" smtClean="0">
+              <a:rPr lang="en-US" dirty="0">
                 <a:latin typeface="Courier New" charset="0"/>
                 <a:ea typeface="Courier New" charset="0"/>
                 <a:cs typeface="Courier New" charset="0"/>
               </a:rPr>
               <a:t>True</a:t>
             </a:r>
-            <a:endParaRPr lang="en-US" dirty="0">
-              <a:latin typeface="Courier New" charset="0"/>
-              <a:ea typeface="Courier New" charset="0"/>
-              <a:cs typeface="Courier New" charset="0"/>
-            </a:endParaRPr>
           </a:p>
         </p:txBody>
       </p:sp>
@@ -8496,13 +8369,6 @@
   <p:clrMapOvr>
     <a:masterClrMapping/>
   </p:clrMapOvr>
-  <p:timing>
-    <p:tnLst>
-      <p:par>
-        <p:cTn id="1" dur="indefinite" restart="never" nodeType="tmRoot"/>
-      </p:par>
-    </p:tnLst>
-  </p:timing>
 </p:sld>
 </file>
 
@@ -8539,10 +8405,9 @@
           <a:lstStyle/>
           <a:p>
             <a:r>
-              <a:rPr lang="en-US" dirty="0" smtClean="0"/>
+              <a:rPr lang="en-US" dirty="0"/>
               <a:t>Brain heater</a:t>
             </a:r>
-            <a:endParaRPr lang="en-US" dirty="0"/>
           </a:p>
         </p:txBody>
       </p:sp>
@@ -8580,13 +8445,6 @@
   <p:clrMapOvr>
     <a:masterClrMapping/>
   </p:clrMapOvr>
-  <p:timing>
-    <p:tnLst>
-      <p:par>
-        <p:cTn id="1" dur="indefinite" restart="never" nodeType="tmRoot"/>
-      </p:par>
-    </p:tnLst>
-  </p:timing>
 </p:sld>
 </file>
 
@@ -8623,10 +8481,9 @@
           <a:lstStyle/>
           <a:p>
             <a:r>
-              <a:rPr lang="en-US" dirty="0" smtClean="0"/>
+              <a:rPr lang="en-US" dirty="0"/>
               <a:t>Booleans</a:t>
             </a:r>
-            <a:endParaRPr lang="en-US" dirty="0"/>
           </a:p>
         </p:txBody>
       </p:sp>
@@ -8651,51 +8508,42 @@
               <a:buNone/>
             </a:pPr>
             <a:r>
-              <a:rPr lang="en-US" dirty="0" smtClean="0"/>
+              <a:rPr lang="en-US" dirty="0"/>
               <a:t>There are only two possible Booleans:</a:t>
             </a:r>
           </a:p>
           <a:p>
             <a:r>
-              <a:rPr lang="en-US" dirty="0" smtClean="0"/>
+              <a:rPr lang="en-US" dirty="0"/>
               <a:t>True</a:t>
             </a:r>
           </a:p>
           <a:p>
             <a:r>
-              <a:rPr lang="en-US" dirty="0" smtClean="0"/>
+              <a:rPr lang="en-US" dirty="0"/>
               <a:t>False</a:t>
             </a:r>
+          </a:p>
+          <a:p>
             <a:endParaRPr lang="en-US" dirty="0"/>
           </a:p>
           <a:p>
-            <a:endParaRPr lang="en-US" dirty="0" smtClean="0"/>
-          </a:p>
-          <a:p>
-            <a:r>
-              <a:rPr lang="en-US" dirty="0" smtClean="0"/>
-              <a:t>In Python you can convert many datatypes to </a:t>
-            </a:r>
             <a:r>
               <a:rPr lang="en-US" dirty="0"/>
-              <a:t>B</a:t>
-            </a:r>
-            <a:r>
-              <a:rPr lang="en-US" dirty="0" smtClean="0"/>
-              <a:t>oolean with the bool() function</a:t>
-            </a:r>
-          </a:p>
-          <a:p>
-            <a:r>
-              <a:rPr lang="en-US" dirty="0" smtClean="0"/>
+              <a:t>In Python you can convert many datatypes to Boolean with the bool() function</a:t>
+            </a:r>
+          </a:p>
+          <a:p>
+            <a:r>
+              <a:rPr lang="en-US" dirty="0"/>
               <a:t>For every if/</a:t>
             </a:r>
             <a:r>
-              <a:rPr lang="en-US" dirty="0" err="1" smtClean="0"/>
+              <a:rPr lang="en-US" dirty="0" err="1"/>
               <a:t>elif</a:t>
             </a:r>
             <a:r>
-              <a:rPr lang="en-US" dirty="0" smtClean="0"/>
+              <a:rPr lang="en-US" dirty="0"/>
               <a:t>/else statement, expressions will be converted to Booleans</a:t>
             </a:r>
           </a:p>
@@ -8711,13 +8559,6 @@
   <p:clrMapOvr>
     <a:masterClrMapping/>
   </p:clrMapOvr>
-  <p:timing>
-    <p:tnLst>
-      <p:par>
-        <p:cTn id="1" dur="indefinite" restart="never" nodeType="tmRoot"/>
-      </p:par>
-    </p:tnLst>
-  </p:timing>
 </p:sld>
 </file>
 
@@ -8754,10 +8595,9 @@
           <a:lstStyle/>
           <a:p>
             <a:r>
-              <a:rPr lang="en-US" dirty="0" smtClean="0"/>
+              <a:rPr lang="en-US" dirty="0"/>
               <a:t>Booleans</a:t>
             </a:r>
-            <a:endParaRPr lang="en-US" dirty="0"/>
           </a:p>
         </p:txBody>
       </p:sp>
@@ -8823,7 +8663,7 @@
           <a:p>
             <a:pPr algn="ctr"/>
             <a:r>
-              <a:rPr lang="en-US" sz="2000" dirty="0" smtClean="0"/>
+              <a:rPr lang="en-US" sz="2000" dirty="0"/>
               <a:t>This should be easy to follow by now</a:t>
             </a:r>
             <a:endParaRPr lang="nl-NL" sz="2000" dirty="0">
@@ -8844,13 +8684,6 @@
   <p:clrMapOvr>
     <a:masterClrMapping/>
   </p:clrMapOvr>
-  <p:timing>
-    <p:tnLst>
-      <p:par>
-        <p:cTn id="1" dur="indefinite" restart="never" nodeType="tmRoot"/>
-      </p:par>
-    </p:tnLst>
-  </p:timing>
 </p:sld>
 </file>
 
@@ -8887,10 +8720,9 @@
           <a:lstStyle/>
           <a:p>
             <a:r>
-              <a:rPr lang="en-US" dirty="0" smtClean="0"/>
+              <a:rPr lang="en-US" dirty="0"/>
               <a:t>Booleans</a:t>
             </a:r>
-            <a:endParaRPr lang="en-US" dirty="0"/>
           </a:p>
         </p:txBody>
       </p:sp>
@@ -8915,7 +8747,7 @@
               <a:buNone/>
             </a:pPr>
             <a:r>
-              <a:rPr lang="en-US" dirty="0" smtClean="0"/>
+              <a:rPr lang="en-US" dirty="0"/>
               <a:t>But many cases will be more complex.</a:t>
             </a:r>
           </a:p>
@@ -8924,7 +8756,7 @@
               <a:buNone/>
             </a:pPr>
             <a:r>
-              <a:rPr lang="en-US" dirty="0" smtClean="0"/>
+              <a:rPr lang="en-US" dirty="0"/>
               <a:t>Example:</a:t>
             </a:r>
           </a:p>
@@ -8992,7 +8824,7 @@
           <a:p>
             <a:pPr algn="ctr"/>
             <a:r>
-              <a:rPr lang="en-US" sz="2000" dirty="0" smtClean="0"/>
+              <a:rPr lang="en-US" sz="2000" dirty="0"/>
               <a:t>This expression will test if the list is empty. Empty lists are evaluated as False!</a:t>
             </a:r>
             <a:endParaRPr lang="nl-NL" sz="2000" dirty="0">
@@ -9013,13 +8845,6 @@
   <p:clrMapOvr>
     <a:masterClrMapping/>
   </p:clrMapOvr>
-  <p:timing>
-    <p:tnLst>
-      <p:par>
-        <p:cTn id="1" dur="indefinite" restart="never" nodeType="tmRoot"/>
-      </p:par>
-    </p:tnLst>
-  </p:timing>
 </p:sld>
 </file>
 
@@ -9056,10 +8881,9 @@
           <a:lstStyle/>
           <a:p>
             <a:r>
-              <a:rPr lang="en-US" dirty="0" smtClean="0"/>
+              <a:rPr lang="en-US" dirty="0"/>
               <a:t>Booleans</a:t>
             </a:r>
-            <a:endParaRPr lang="en-US" dirty="0"/>
           </a:p>
         </p:txBody>
       </p:sp>
@@ -9084,7 +8908,7 @@
               <a:buNone/>
             </a:pPr>
             <a:r>
-              <a:rPr lang="en-US" dirty="0" smtClean="0"/>
+              <a:rPr lang="en-US" dirty="0"/>
               <a:t>But many cases will be more complex.</a:t>
             </a:r>
           </a:p>
@@ -9093,7 +8917,7 @@
               <a:buNone/>
             </a:pPr>
             <a:r>
-              <a:rPr lang="en-US" dirty="0" smtClean="0"/>
+              <a:rPr lang="en-US" dirty="0"/>
               <a:t>Example:</a:t>
             </a:r>
           </a:p>
@@ -9161,7 +8985,7 @@
           <a:p>
             <a:pPr algn="ctr"/>
             <a:r>
-              <a:rPr lang="en-US" sz="2000" smtClean="0"/>
+              <a:rPr lang="en-US" sz="2000"/>
               <a:t>Now the list was not empty so the else clause will be executed.</a:t>
             </a:r>
             <a:endParaRPr lang="nl-NL" sz="2000" dirty="0">
@@ -9182,13 +9006,6 @@
   <p:clrMapOvr>
     <a:masterClrMapping/>
   </p:clrMapOvr>
-  <p:timing>
-    <p:tnLst>
-      <p:par>
-        <p:cTn id="1" dur="indefinite" restart="never" nodeType="tmRoot"/>
-      </p:par>
-    </p:tnLst>
-  </p:timing>
 </p:sld>
 </file>
 
@@ -9225,10 +9042,9 @@
           <a:lstStyle/>
           <a:p>
             <a:r>
-              <a:rPr lang="en-US" dirty="0" smtClean="0"/>
+              <a:rPr lang="en-US" dirty="0"/>
               <a:t>Booleans</a:t>
             </a:r>
-            <a:endParaRPr lang="en-US" dirty="0"/>
           </a:p>
         </p:txBody>
       </p:sp>
@@ -9253,7 +9069,7 @@
               <a:buNone/>
             </a:pPr>
             <a:r>
-              <a:rPr lang="en-US" dirty="0" smtClean="0"/>
+              <a:rPr lang="en-US" dirty="0"/>
               <a:t>To understand this code, it is important that you understand how Booleans work.</a:t>
             </a:r>
           </a:p>
@@ -9321,15 +9137,15 @@
           <a:p>
             <a:pPr algn="ctr"/>
             <a:r>
-              <a:rPr lang="en-US" sz="2000" dirty="0" smtClean="0"/>
+              <a:rPr lang="en-US" sz="2000" dirty="0"/>
               <a:t>Probably this is more easy for you to understand but Python programmers do often directly evaluate </a:t>
             </a:r>
             <a:r>
-              <a:rPr lang="en-US" sz="2000" smtClean="0"/>
+              <a:rPr lang="en-US" sz="2000"/>
               <a:t>variables for </a:t>
             </a:r>
             <a:r>
-              <a:rPr lang="en-US" sz="2000" dirty="0" smtClean="0"/>
+              <a:rPr lang="en-US" sz="2000" dirty="0"/>
               <a:t>Bool types!</a:t>
             </a:r>
             <a:endParaRPr lang="nl-NL" sz="2000" dirty="0">
@@ -9350,13 +9166,6 @@
   <p:clrMapOvr>
     <a:masterClrMapping/>
   </p:clrMapOvr>
-  <p:timing>
-    <p:tnLst>
-      <p:par>
-        <p:cTn id="1" dur="indefinite" restart="never" nodeType="tmRoot"/>
-      </p:par>
-    </p:tnLst>
-  </p:timing>
 </p:sld>
 </file>
 
@@ -9393,10 +9202,9 @@
           <a:lstStyle/>
           <a:p>
             <a:r>
-              <a:rPr lang="en-US" dirty="0" smtClean="0"/>
+              <a:rPr lang="en-US" dirty="0"/>
               <a:t>Booleans</a:t>
             </a:r>
-            <a:endParaRPr lang="en-US" dirty="0"/>
           </a:p>
         </p:txBody>
       </p:sp>
@@ -9426,15 +9234,15 @@
               <a:buNone/>
             </a:pPr>
             <a:r>
-              <a:rPr lang="en-US" dirty="0" smtClean="0"/>
+              <a:rPr lang="en-US" dirty="0"/>
               <a:t>For every if, </a:t>
             </a:r>
             <a:r>
-              <a:rPr lang="en-US" dirty="0" err="1" smtClean="0"/>
+              <a:rPr lang="en-US" dirty="0" err="1"/>
               <a:t>elif</a:t>
             </a:r>
             <a:r>
-              <a:rPr lang="en-US" dirty="0" smtClean="0"/>
+              <a:rPr lang="en-US" dirty="0"/>
               <a:t>, else statement, an expression is converted to a bool:</a:t>
             </a:r>
           </a:p>
@@ -9502,7 +9310,7 @@
           <a:p>
             <a:pPr algn="ctr"/>
             <a:r>
-              <a:rPr lang="en-US" sz="2000" dirty="0" smtClean="0"/>
+              <a:rPr lang="en-US" sz="2000" dirty="0"/>
               <a:t>Empty lists are False. As soon as a list contains an element (even an empty string) it is True </a:t>
             </a:r>
             <a:endParaRPr lang="nl-NL" sz="2000" dirty="0">
@@ -9523,13 +9331,6 @@
   <p:clrMapOvr>
     <a:masterClrMapping/>
   </p:clrMapOvr>
-  <p:timing>
-    <p:tnLst>
-      <p:par>
-        <p:cTn id="1" dur="indefinite" restart="never" nodeType="tmRoot"/>
-      </p:par>
-    </p:tnLst>
-  </p:timing>
 </p:sld>
 </file>
 
@@ -9566,10 +9367,9 @@
           <a:lstStyle/>
           <a:p>
             <a:r>
-              <a:rPr lang="en-US" dirty="0" smtClean="0"/>
+              <a:rPr lang="en-US" dirty="0"/>
               <a:t>True/False in Python</a:t>
             </a:r>
-            <a:endParaRPr lang="en-US" dirty="0"/>
           </a:p>
         </p:txBody>
       </p:sp>
@@ -9599,7 +9399,7 @@
               <a:buNone/>
             </a:pPr>
             <a:r>
-              <a:rPr lang="en-US" dirty="0" smtClean="0"/>
+              <a:rPr lang="en-US" dirty="0"/>
               <a:t>So what is True and what is False?</a:t>
             </a:r>
           </a:p>
@@ -9608,7 +9408,7 @@
               <a:buNone/>
             </a:pPr>
             <a:r>
-              <a:rPr lang="en-US" dirty="0" smtClean="0"/>
+              <a:rPr lang="en-US" dirty="0"/>
               <a:t>This might seem complicated but it is not:</a:t>
             </a:r>
           </a:p>
@@ -9617,37 +9417,37 @@
               <a:buNone/>
             </a:pPr>
             <a:r>
-              <a:rPr lang="en-US" dirty="0" smtClean="0"/>
+              <a:rPr lang="en-US" dirty="0"/>
               <a:t>False is:</a:t>
             </a:r>
           </a:p>
           <a:p>
             <a:r>
-              <a:rPr lang="en-US" dirty="0" smtClean="0"/>
+              <a:rPr lang="en-US" dirty="0"/>
               <a:t>None</a:t>
             </a:r>
           </a:p>
           <a:p>
             <a:r>
-              <a:rPr lang="en-US" dirty="0" smtClean="0"/>
+              <a:rPr lang="en-US" dirty="0"/>
               <a:t>False</a:t>
             </a:r>
           </a:p>
           <a:p>
             <a:r>
-              <a:rPr lang="en-US" dirty="0" smtClean="0"/>
+              <a:rPr lang="en-US" dirty="0"/>
               <a:t>0 (zero as integer or float) </a:t>
             </a:r>
           </a:p>
           <a:p>
             <a:r>
-              <a:rPr lang="en-US" dirty="0" smtClean="0"/>
+              <a:rPr lang="en-US" dirty="0"/>
               <a:t>empty sequence such as ”” [] ()</a:t>
             </a:r>
           </a:p>
           <a:p>
             <a:r>
-              <a:rPr lang="en-US" dirty="0" smtClean="0"/>
+              <a:rPr lang="en-US" dirty="0"/>
               <a:t>empty dictionary or set {}</a:t>
             </a:r>
           </a:p>
@@ -9656,7 +9456,7 @@
               <a:buNone/>
             </a:pPr>
             <a:r>
-              <a:rPr lang="en-US" dirty="0" smtClean="0"/>
+              <a:rPr lang="en-US" dirty="0"/>
               <a:t>Consider the rest True! (some details left out for simplicity)</a:t>
             </a:r>
           </a:p>
@@ -9672,13 +9472,6 @@
   <p:clrMapOvr>
     <a:masterClrMapping/>
   </p:clrMapOvr>
-  <p:timing>
-    <p:tnLst>
-      <p:par>
-        <p:cTn id="1" dur="indefinite" restart="never" nodeType="tmRoot"/>
-      </p:par>
-    </p:tnLst>
-  </p:timing>
 </p:sld>
 </file>
 
@@ -9715,10 +9508,9 @@
           <a:lstStyle/>
           <a:p>
             <a:r>
-              <a:rPr lang="en-US" dirty="0" smtClean="0"/>
+              <a:rPr lang="en-US" dirty="0"/>
               <a:t>Boolean Operators</a:t>
             </a:r>
-            <a:endParaRPr lang="en-US" dirty="0"/>
           </a:p>
         </p:txBody>
       </p:sp>
@@ -9748,25 +9540,25 @@
               <a:buNone/>
             </a:pPr>
             <a:r>
-              <a:rPr lang="en-US" dirty="0" smtClean="0"/>
+              <a:rPr lang="en-US" dirty="0"/>
               <a:t>There are three Boolean operations:</a:t>
             </a:r>
           </a:p>
           <a:p>
             <a:r>
-              <a:rPr lang="en-US" dirty="0" smtClean="0"/>
+              <a:rPr lang="en-US" dirty="0"/>
               <a:t>or</a:t>
             </a:r>
           </a:p>
           <a:p>
             <a:r>
-              <a:rPr lang="en-US" dirty="0" smtClean="0"/>
+              <a:rPr lang="en-US" dirty="0"/>
               <a:t>and</a:t>
             </a:r>
           </a:p>
           <a:p>
             <a:r>
-              <a:rPr lang="en-US" dirty="0" smtClean="0"/>
+              <a:rPr lang="en-US" dirty="0"/>
               <a:t>not</a:t>
             </a:r>
           </a:p>
@@ -9775,7 +9567,7 @@
               <a:buNone/>
             </a:pPr>
             <a:r>
-              <a:rPr lang="en-US" dirty="0" smtClean="0"/>
+              <a:rPr lang="en-US" dirty="0"/>
               <a:t>They have a priority order:</a:t>
             </a:r>
           </a:p>
@@ -9874,14 +9666,14 @@
           <a:p>
             <a:pPr algn="ctr"/>
             <a:r>
-              <a:rPr lang="en-US" sz="2000" dirty="0" smtClean="0"/>
+              <a:rPr lang="en-US" sz="2000" dirty="0"/>
               <a:t>To understand this:</a:t>
             </a:r>
           </a:p>
           <a:p>
             <a:pPr algn="ctr"/>
             <a:r>
-              <a:rPr lang="en-US" sz="2000" dirty="0" smtClean="0">
+              <a:rPr lang="en-US" sz="2000" dirty="0">
                 <a:solidFill>
                   <a:schemeClr val="bg1"/>
                 </a:solidFill>
@@ -9906,13 +9698,6 @@
   <p:clrMapOvr>
     <a:masterClrMapping/>
   </p:clrMapOvr>
-  <p:timing>
-    <p:tnLst>
-      <p:par>
-        <p:cTn id="1" dur="indefinite" restart="never" nodeType="tmRoot"/>
-      </p:par>
-    </p:tnLst>
-  </p:timing>
 </p:sld>
 </file>
 
